--- a/doc/部署架构图.pptx
+++ b/doc/部署架构图.pptx
@@ -5,7 +5,7 @@
     <p:sldMasterId id="2147483648" r:id="rId1"/>
   </p:sldMasterIdLst>
   <p:sldIdLst>
-    <p:sldId id="256" r:id="rId2"/>
+    <p:sldId id="258" r:id="rId2"/>
   </p:sldIdLst>
   <p:sldSz cx="12192000" cy="6858000"/>
   <p:notesSz cx="6858000" cy="9144000"/>
@@ -104,6 +104,11 @@
       </a:defRPr>
     </a:lvl9pPr>
   </p:defaultTextStyle>
+  <p:extLst>
+    <p:ext uri="{EFAFB233-063F-42B5-8137-9DF3F51BA10A}">
+      <p15:sldGuideLst xmlns:p15="http://schemas.microsoft.com/office/powerpoint/2012/main"/>
+    </p:ext>
+  </p:extLst>
 </p:presentation>
 </file>
 
@@ -3336,7 +3341,7 @@
         <p:spPr>
           <a:xfrm>
             <a:off x="2988642" y="992981"/>
-            <a:ext cx="3253347" cy="4621432"/>
+            <a:ext cx="3253347" cy="4087215"/>
           </a:xfrm>
           <a:prstGeom prst="rect">
             <a:avLst/>
@@ -3631,65 +3636,6 @@
             </a:r>
           </a:p>
           <a:p>
-            <a:br>
-              <a:rPr lang="en-US" altLang="zh-CN" sz="900" b="0" dirty="0">
-                <a:solidFill>
-                  <a:srgbClr val="333333"/>
-                </a:solidFill>
-                <a:effectLst/>
-                <a:latin typeface="Consolas" panose="020B0609020204030204" pitchFamily="49" charset="0"/>
-              </a:rPr>
-            </a:br>
-            <a:r>
-              <a:rPr lang="en-US" altLang="zh-CN" sz="900" b="0" dirty="0">
-                <a:solidFill>
-                  <a:srgbClr val="333333"/>
-                </a:solidFill>
-                <a:effectLst/>
-                <a:latin typeface="Consolas" panose="020B0609020204030204" pitchFamily="49" charset="0"/>
-              </a:rPr>
-              <a:t>location </a:t>
-            </a:r>
-            <a:r>
-              <a:rPr lang="en-US" altLang="zh-CN" sz="900" b="0" dirty="0">
-                <a:solidFill>
-                  <a:srgbClr val="448C27"/>
-                </a:solidFill>
-                <a:effectLst/>
-                <a:latin typeface="Consolas" panose="020B0609020204030204" pitchFamily="49" charset="0"/>
-              </a:rPr>
-              <a:t>/</a:t>
-            </a:r>
-            <a:r>
-              <a:rPr lang="en-US" altLang="zh-CN" sz="900" b="0" dirty="0" err="1">
-                <a:solidFill>
-                  <a:srgbClr val="448C27"/>
-                </a:solidFill>
-                <a:effectLst/>
-                <a:latin typeface="Consolas" panose="020B0609020204030204" pitchFamily="49" charset="0"/>
-              </a:rPr>
-              <a:t>fgs</a:t>
-            </a:r>
-            <a:r>
-              <a:rPr lang="en-US" altLang="zh-CN" sz="900" b="0" dirty="0">
-                <a:solidFill>
-                  <a:srgbClr val="333333"/>
-                </a:solidFill>
-                <a:effectLst/>
-                <a:latin typeface="Consolas" panose="020B0609020204030204" pitchFamily="49" charset="0"/>
-              </a:rPr>
-              <a:t> </a:t>
-            </a:r>
-            <a:r>
-              <a:rPr lang="en-US" altLang="zh-CN" sz="900" b="0" dirty="0">
-                <a:solidFill>
-                  <a:srgbClr val="448C27"/>
-                </a:solidFill>
-                <a:effectLst/>
-                <a:latin typeface="Consolas" panose="020B0609020204030204" pitchFamily="49" charset="0"/>
-              </a:rPr>
-              <a:t>{</a:t>
-            </a:r>
             <a:endParaRPr lang="en-US" altLang="zh-CN" sz="900" b="0" dirty="0">
               <a:solidFill>
                 <a:srgbClr val="333333"/>
@@ -3699,7 +3645,7 @@
             </a:endParaRPr>
           </a:p>
           <a:p>
-            <a:r>
+            <a:br>
               <a:rPr lang="en-US" altLang="zh-CN" sz="900" b="0" dirty="0">
                 <a:solidFill>
                   <a:srgbClr val="333333"/>
@@ -3707,18 +3653,7 @@
                 <a:effectLst/>
                 <a:latin typeface="Consolas" panose="020B0609020204030204" pitchFamily="49" charset="0"/>
               </a:rPr>
-              <a:t>  </a:t>
-            </a:r>
-            <a:r>
-              <a:rPr lang="en-US" altLang="zh-CN" sz="900" b="1" dirty="0">
-                <a:solidFill>
-                  <a:srgbClr val="AA3731"/>
-                </a:solidFill>
-                <a:effectLst/>
-                <a:latin typeface="Consolas" panose="020B0609020204030204" pitchFamily="49" charset="0"/>
-              </a:rPr>
-              <a:t>alias</a:t>
-            </a:r>
+            </a:br>
             <a:r>
               <a:rPr lang="en-US" altLang="zh-CN" sz="900" b="0" dirty="0">
                 <a:solidFill>
@@ -3727,6 +3662,36 @@
                 <a:effectLst/>
                 <a:latin typeface="Consolas" panose="020B0609020204030204" pitchFamily="49" charset="0"/>
               </a:rPr>
+              <a:t>location </a:t>
+            </a:r>
+            <a:r>
+              <a:rPr lang="en-US" altLang="zh-CN" sz="900" b="0" dirty="0">
+                <a:solidFill>
+                  <a:srgbClr val="448C27"/>
+                </a:solidFill>
+                <a:effectLst/>
+                <a:latin typeface="Consolas" panose="020B0609020204030204" pitchFamily="49" charset="0"/>
+              </a:rPr>
+              <a:t>/</a:t>
+            </a:r>
+            <a:r>
+              <a:rPr lang="en-US" altLang="zh-CN" sz="900" b="0" dirty="0" err="1">
+                <a:solidFill>
+                  <a:srgbClr val="448C27"/>
+                </a:solidFill>
+                <a:effectLst/>
+                <a:latin typeface="Consolas" panose="020B0609020204030204" pitchFamily="49" charset="0"/>
+              </a:rPr>
+              <a:t>fgs</a:t>
+            </a:r>
+            <a:r>
+              <a:rPr lang="en-US" altLang="zh-CN" sz="900" b="0" dirty="0">
+                <a:solidFill>
+                  <a:srgbClr val="333333"/>
+                </a:solidFill>
+                <a:effectLst/>
+                <a:latin typeface="Consolas" panose="020B0609020204030204" pitchFamily="49" charset="0"/>
+              </a:rPr>
               <a:t> </a:t>
             </a:r>
             <a:r>
@@ -3737,57 +3702,7 @@
                 <a:effectLst/>
                 <a:latin typeface="Consolas" panose="020B0609020204030204" pitchFamily="49" charset="0"/>
               </a:rPr>
-              <a:t>/home/</a:t>
-            </a:r>
-            <a:r>
-              <a:rPr lang="en-US" altLang="zh-CN" sz="900" b="0" dirty="0" err="1">
-                <a:solidFill>
-                  <a:srgbClr val="448C27"/>
-                </a:solidFill>
-                <a:effectLst/>
-                <a:latin typeface="Consolas" panose="020B0609020204030204" pitchFamily="49" charset="0"/>
-              </a:rPr>
-              <a:t>zdyf</a:t>
-            </a:r>
-            <a:r>
-              <a:rPr lang="en-US" altLang="zh-CN" sz="900" b="0" dirty="0">
-                <a:solidFill>
-                  <a:srgbClr val="448C27"/>
-                </a:solidFill>
-                <a:effectLst/>
-                <a:latin typeface="Consolas" panose="020B0609020204030204" pitchFamily="49" charset="0"/>
-              </a:rPr>
-              <a:t>/</a:t>
-            </a:r>
-            <a:r>
-              <a:rPr lang="en-US" altLang="zh-CN" sz="900" b="0" dirty="0" err="1">
-                <a:solidFill>
-                  <a:srgbClr val="448C27"/>
-                </a:solidFill>
-                <a:effectLst/>
-                <a:latin typeface="Consolas" panose="020B0609020204030204" pitchFamily="49" charset="0"/>
-              </a:rPr>
-              <a:t>fgs</a:t>
-            </a:r>
-            <a:r>
-              <a:rPr lang="en-US" altLang="zh-CN" sz="900" b="0" dirty="0">
-                <a:solidFill>
-                  <a:srgbClr val="448C27"/>
-                </a:solidFill>
-                <a:effectLst/>
-                <a:latin typeface="Consolas" panose="020B0609020204030204" pitchFamily="49" charset="0"/>
-              </a:rPr>
-              <a:t>/</a:t>
-            </a:r>
-            <a:r>
-              <a:rPr lang="en-US" altLang="zh-CN" sz="900" b="0" dirty="0">
-                <a:solidFill>
-                  <a:srgbClr val="777777"/>
-                </a:solidFill>
-                <a:effectLst/>
-                <a:latin typeface="Consolas" panose="020B0609020204030204" pitchFamily="49" charset="0"/>
-              </a:rPr>
-              <a:t>;</a:t>
+              <a:t>{</a:t>
             </a:r>
             <a:endParaRPr lang="en-US" altLang="zh-CN" sz="900" b="0" dirty="0">
               <a:solidFill>
@@ -3806,7 +3721,27 @@
                 <a:effectLst/>
                 <a:latin typeface="Consolas" panose="020B0609020204030204" pitchFamily="49" charset="0"/>
               </a:rPr>
-              <a:t>  index </a:t>
+              <a:t>  </a:t>
+            </a:r>
+            <a:r>
+              <a:rPr lang="en-US" altLang="zh-CN" sz="900" b="1" dirty="0">
+                <a:solidFill>
+                  <a:srgbClr val="AA3731"/>
+                </a:solidFill>
+                <a:effectLst/>
+                <a:latin typeface="Consolas" panose="020B0609020204030204" pitchFamily="49" charset="0"/>
+              </a:rPr>
+              <a:t>alias</a:t>
+            </a:r>
+            <a:r>
+              <a:rPr lang="en-US" altLang="zh-CN" sz="900" b="0" dirty="0">
+                <a:solidFill>
+                  <a:srgbClr val="333333"/>
+                </a:solidFill>
+                <a:effectLst/>
+                <a:latin typeface="Consolas" panose="020B0609020204030204" pitchFamily="49" charset="0"/>
+              </a:rPr>
+              <a:t> </a:t>
             </a:r>
             <a:r>
               <a:rPr lang="en-US" altLang="zh-CN" sz="900" b="0" dirty="0">
@@ -3816,7 +3751,47 @@
                 <a:effectLst/>
                 <a:latin typeface="Consolas" panose="020B0609020204030204" pitchFamily="49" charset="0"/>
               </a:rPr>
-              <a:t>index.html</a:t>
+              <a:t>/home/</a:t>
+            </a:r>
+            <a:r>
+              <a:rPr lang="en-US" altLang="zh-CN" sz="900" b="0" dirty="0" err="1">
+                <a:solidFill>
+                  <a:srgbClr val="448C27"/>
+                </a:solidFill>
+                <a:effectLst/>
+                <a:latin typeface="Consolas" panose="020B0609020204030204" pitchFamily="49" charset="0"/>
+              </a:rPr>
+              <a:t>zdyf</a:t>
+            </a:r>
+            <a:r>
+              <a:rPr lang="en-US" altLang="zh-CN" sz="900" b="0" dirty="0">
+                <a:solidFill>
+                  <a:srgbClr val="448C27"/>
+                </a:solidFill>
+                <a:effectLst/>
+                <a:latin typeface="Consolas" panose="020B0609020204030204" pitchFamily="49" charset="0"/>
+              </a:rPr>
+              <a:t>/</a:t>
+            </a:r>
+            <a:r>
+              <a:rPr lang="en-US" altLang="zh-CN" sz="900" b="0" dirty="0" err="1">
+                <a:solidFill>
+                  <a:srgbClr val="448C27"/>
+                </a:solidFill>
+                <a:effectLst/>
+                <a:latin typeface="Consolas" panose="020B0609020204030204" pitchFamily="49" charset="0"/>
+              </a:rPr>
+              <a:t>fgs</a:t>
+            </a:r>
+            <a:r>
+              <a:rPr lang="en-US" altLang="zh-CN" sz="900" b="0" dirty="0">
+                <a:solidFill>
+                  <a:srgbClr val="448C27"/>
+                </a:solidFill>
+                <a:effectLst/>
+                <a:latin typeface="Consolas" panose="020B0609020204030204" pitchFamily="49" charset="0"/>
+              </a:rPr>
+              <a:t>/</a:t>
             </a:r>
             <a:r>
               <a:rPr lang="en-US" altLang="zh-CN" sz="900" b="0" dirty="0">
@@ -3845,27 +3820,7 @@
                 <a:effectLst/>
                 <a:latin typeface="Consolas" panose="020B0609020204030204" pitchFamily="49" charset="0"/>
               </a:rPr>
-              <a:t>  </a:t>
-            </a:r>
-            <a:r>
-              <a:rPr lang="en-US" altLang="zh-CN" sz="900" b="0" dirty="0" err="1">
-                <a:solidFill>
-                  <a:srgbClr val="333333"/>
-                </a:solidFill>
-                <a:effectLst/>
-                <a:latin typeface="Consolas" panose="020B0609020204030204" pitchFamily="49" charset="0"/>
-              </a:rPr>
-              <a:t>autoindex</a:t>
-            </a:r>
-            <a:r>
-              <a:rPr lang="en-US" altLang="zh-CN" sz="900" b="0" dirty="0">
-                <a:solidFill>
-                  <a:srgbClr val="333333"/>
-                </a:solidFill>
-                <a:effectLst/>
-                <a:latin typeface="Consolas" panose="020B0609020204030204" pitchFamily="49" charset="0"/>
-              </a:rPr>
-              <a:t> </a:t>
+              <a:t>  index </a:t>
             </a:r>
             <a:r>
               <a:rPr lang="en-US" altLang="zh-CN" sz="900" b="0" dirty="0">
@@ -3875,7 +3830,7 @@
                 <a:effectLst/>
                 <a:latin typeface="Consolas" panose="020B0609020204030204" pitchFamily="49" charset="0"/>
               </a:rPr>
-              <a:t>on</a:t>
+              <a:t>index.html</a:t>
             </a:r>
             <a:r>
               <a:rPr lang="en-US" altLang="zh-CN" sz="900" b="0" dirty="0">
@@ -3904,19 +3859,18 @@
                 <a:effectLst/>
                 <a:latin typeface="Consolas" panose="020B0609020204030204" pitchFamily="49" charset="0"/>
               </a:rPr>
-              <a:t>}</a:t>
-            </a:r>
-          </a:p>
-          <a:p>
-            <a:br>
-              <a:rPr lang="en-US" altLang="zh-CN" sz="900" b="0" dirty="0">
+              <a:t>  </a:t>
+            </a:r>
+            <a:r>
+              <a:rPr lang="en-US" altLang="zh-CN" sz="900" b="0" dirty="0" err="1">
                 <a:solidFill>
                   <a:srgbClr val="333333"/>
                 </a:solidFill>
                 <a:effectLst/>
                 <a:latin typeface="Consolas" panose="020B0609020204030204" pitchFamily="49" charset="0"/>
               </a:rPr>
-            </a:br>
+              <a:t>autoindex</a:t>
+            </a:r>
             <a:r>
               <a:rPr lang="en-US" altLang="zh-CN" sz="900" b="0" dirty="0">
                 <a:solidFill>
@@ -3925,7 +3879,7 @@
                 <a:effectLst/>
                 <a:latin typeface="Consolas" panose="020B0609020204030204" pitchFamily="49" charset="0"/>
               </a:rPr>
-              <a:t>location </a:t>
+              <a:t> </a:t>
             </a:r>
             <a:r>
               <a:rPr lang="en-US" altLang="zh-CN" sz="900" b="0" dirty="0">
@@ -3935,27 +3889,17 @@
                 <a:effectLst/>
                 <a:latin typeface="Consolas" panose="020B0609020204030204" pitchFamily="49" charset="0"/>
               </a:rPr>
-              <a:t>/cert</a:t>
-            </a:r>
-            <a:r>
-              <a:rPr lang="en-US" altLang="zh-CN" sz="900" b="0" dirty="0">
-                <a:solidFill>
-                  <a:srgbClr val="333333"/>
-                </a:solidFill>
-                <a:effectLst/>
-                <a:latin typeface="Consolas" panose="020B0609020204030204" pitchFamily="49" charset="0"/>
-              </a:rPr>
-              <a:t> </a:t>
-            </a:r>
-            <a:r>
-              <a:rPr lang="en-US" altLang="zh-CN" sz="900" b="0" dirty="0">
-                <a:solidFill>
-                  <a:srgbClr val="448C27"/>
-                </a:solidFill>
-                <a:effectLst/>
-                <a:latin typeface="Consolas" panose="020B0609020204030204" pitchFamily="49" charset="0"/>
-              </a:rPr>
-              <a:t>{</a:t>
+              <a:t>on</a:t>
+            </a:r>
+            <a:r>
+              <a:rPr lang="en-US" altLang="zh-CN" sz="900" b="0" dirty="0">
+                <a:solidFill>
+                  <a:srgbClr val="777777"/>
+                </a:solidFill>
+                <a:effectLst/>
+                <a:latin typeface="Consolas" panose="020B0609020204030204" pitchFamily="49" charset="0"/>
+              </a:rPr>
+              <a:t>;</a:t>
             </a:r>
             <a:endParaRPr lang="en-US" altLang="zh-CN" sz="900" b="0" dirty="0">
               <a:solidFill>
@@ -3974,68 +3918,10 @@
                 <a:effectLst/>
                 <a:latin typeface="Consolas" panose="020B0609020204030204" pitchFamily="49" charset="0"/>
               </a:rPr>
-              <a:t>  </a:t>
-            </a:r>
-            <a:r>
-              <a:rPr lang="en-US" altLang="zh-CN" sz="900" b="1" dirty="0">
-                <a:solidFill>
-                  <a:srgbClr val="AA3731"/>
-                </a:solidFill>
-                <a:effectLst/>
-                <a:latin typeface="Consolas" panose="020B0609020204030204" pitchFamily="49" charset="0"/>
-              </a:rPr>
-              <a:t>alias</a:t>
-            </a:r>
-            <a:r>
-              <a:rPr lang="en-US" altLang="zh-CN" sz="900" b="0" dirty="0">
-                <a:solidFill>
-                  <a:srgbClr val="333333"/>
-                </a:solidFill>
-                <a:effectLst/>
-                <a:latin typeface="Consolas" panose="020B0609020204030204" pitchFamily="49" charset="0"/>
-              </a:rPr>
-              <a:t> </a:t>
-            </a:r>
-            <a:r>
-              <a:rPr lang="en-US" altLang="zh-CN" sz="900" b="0" dirty="0">
-                <a:solidFill>
-                  <a:srgbClr val="448C27"/>
-                </a:solidFill>
-                <a:effectLst/>
-                <a:latin typeface="Consolas" panose="020B0609020204030204" pitchFamily="49" charset="0"/>
-              </a:rPr>
-              <a:t>/home/</a:t>
-            </a:r>
-            <a:r>
-              <a:rPr lang="en-US" altLang="zh-CN" sz="900" b="0" dirty="0" err="1">
-                <a:solidFill>
-                  <a:srgbClr val="448C27"/>
-                </a:solidFill>
-                <a:effectLst/>
-                <a:latin typeface="Consolas" panose="020B0609020204030204" pitchFamily="49" charset="0"/>
-              </a:rPr>
-              <a:t>zdyf</a:t>
-            </a:r>
-            <a:r>
-              <a:rPr lang="en-US" altLang="zh-CN" sz="900" b="0" dirty="0">
-                <a:solidFill>
-                  <a:srgbClr val="448C27"/>
-                </a:solidFill>
-                <a:effectLst/>
-                <a:latin typeface="Consolas" panose="020B0609020204030204" pitchFamily="49" charset="0"/>
-              </a:rPr>
-              <a:t>/cert/</a:t>
-            </a:r>
-            <a:r>
-              <a:rPr lang="en-US" altLang="zh-CN" sz="900" b="0" dirty="0">
-                <a:solidFill>
-                  <a:srgbClr val="777777"/>
-                </a:solidFill>
-                <a:effectLst/>
-                <a:latin typeface="Consolas" panose="020B0609020204030204" pitchFamily="49" charset="0"/>
-              </a:rPr>
-              <a:t>;</a:t>
-            </a:r>
+              <a:t>}</a:t>
+            </a:r>
+          </a:p>
+          <a:p>
             <a:endParaRPr lang="en-US" altLang="zh-CN" sz="900" b="0" dirty="0">
               <a:solidFill>
                 <a:srgbClr val="333333"/>
@@ -4045,36 +3931,6 @@
             </a:endParaRPr>
           </a:p>
           <a:p>
-            <a:r>
-              <a:rPr lang="en-US" altLang="zh-CN" sz="900" b="0" dirty="0">
-                <a:solidFill>
-                  <a:srgbClr val="333333"/>
-                </a:solidFill>
-                <a:effectLst/>
-                <a:latin typeface="Consolas" panose="020B0609020204030204" pitchFamily="49" charset="0"/>
-              </a:rPr>
-              <a:t>  index </a:t>
-            </a:r>
-            <a:r>
-              <a:rPr lang="en-US" altLang="zh-CN" sz="900" b="0" dirty="0">
-                <a:solidFill>
-                  <a:srgbClr val="448C27"/>
-                </a:solidFill>
-                <a:effectLst/>
-                <a:latin typeface="Consolas" panose="020B0609020204030204" pitchFamily="49" charset="0"/>
-              </a:rPr>
-              <a:t>index.html</a:t>
-            </a:r>
-            <a:r>
-              <a:rPr lang="en-US" altLang="zh-CN" sz="900" b="0" dirty="0">
-                <a:solidFill>
-                  <a:srgbClr val="777777"/>
-                </a:solidFill>
-                <a:effectLst/>
-                <a:latin typeface="Consolas" panose="020B0609020204030204" pitchFamily="49" charset="0"/>
-              </a:rPr>
-              <a:t>;</a:t>
-            </a:r>
             <a:endParaRPr lang="en-US" altLang="zh-CN" sz="900" b="0" dirty="0">
               <a:solidFill>
                 <a:srgbClr val="333333"/>
@@ -4092,26 +3948,36 @@
                 <a:effectLst/>
                 <a:latin typeface="Consolas" panose="020B0609020204030204" pitchFamily="49" charset="0"/>
               </a:rPr>
-              <a:t>  </a:t>
+              <a:t>location </a:t>
+            </a:r>
+            <a:r>
+              <a:rPr lang="en-US" altLang="zh-CN" sz="900" b="0" dirty="0">
+                <a:solidFill>
+                  <a:srgbClr val="448C27"/>
+                </a:solidFill>
+                <a:effectLst/>
+                <a:latin typeface="Consolas" panose="020B0609020204030204" pitchFamily="49" charset="0"/>
+              </a:rPr>
+              <a:t>/</a:t>
             </a:r>
             <a:r>
               <a:rPr lang="en-US" altLang="zh-CN" sz="900" b="0" dirty="0" err="1">
                 <a:solidFill>
+                  <a:srgbClr val="448C27"/>
+                </a:solidFill>
+                <a:effectLst/>
+                <a:latin typeface="Consolas" panose="020B0609020204030204" pitchFamily="49" charset="0"/>
+              </a:rPr>
+              <a:t>abe</a:t>
+            </a:r>
+            <a:r>
+              <a:rPr lang="en-US" altLang="zh-CN" sz="900" b="0" dirty="0">
+                <a:solidFill>
                   <a:srgbClr val="333333"/>
                 </a:solidFill>
                 <a:effectLst/>
                 <a:latin typeface="Consolas" panose="020B0609020204030204" pitchFamily="49" charset="0"/>
               </a:rPr>
-              <a:t>autoindex</a:t>
-            </a:r>
-            <a:r>
-              <a:rPr lang="en-US" altLang="zh-CN" sz="900" b="0" dirty="0">
-                <a:solidFill>
-                  <a:srgbClr val="333333"/>
-                </a:solidFill>
-                <a:effectLst/>
-                <a:latin typeface="Consolas" panose="020B0609020204030204" pitchFamily="49" charset="0"/>
-              </a:rPr>
               <a:t> </a:t>
             </a:r>
             <a:r>
@@ -4122,17 +3988,7 @@
                 <a:effectLst/>
                 <a:latin typeface="Consolas" panose="020B0609020204030204" pitchFamily="49" charset="0"/>
               </a:rPr>
-              <a:t>on</a:t>
-            </a:r>
-            <a:r>
-              <a:rPr lang="en-US" altLang="zh-CN" sz="900" b="0" dirty="0">
-                <a:solidFill>
-                  <a:srgbClr val="777777"/>
-                </a:solidFill>
-                <a:effectLst/>
-                <a:latin typeface="Consolas" panose="020B0609020204030204" pitchFamily="49" charset="0"/>
-              </a:rPr>
-              <a:t>;</a:t>
+              <a:t>{</a:t>
             </a:r>
             <a:endParaRPr lang="en-US" altLang="zh-CN" sz="900" b="0" dirty="0">
               <a:solidFill>
@@ -4151,19 +4007,18 @@
                 <a:effectLst/>
                 <a:latin typeface="Consolas" panose="020B0609020204030204" pitchFamily="49" charset="0"/>
               </a:rPr>
-              <a:t>}</a:t>
-            </a:r>
-          </a:p>
-          <a:p>
-            <a:br>
-              <a:rPr lang="en-US" altLang="zh-CN" sz="900" b="0" dirty="0">
+              <a:t>  </a:t>
+            </a:r>
+            <a:r>
+              <a:rPr lang="en-US" altLang="zh-CN" sz="900" b="0" dirty="0" err="1">
                 <a:solidFill>
                   <a:srgbClr val="333333"/>
                 </a:solidFill>
                 <a:effectLst/>
                 <a:latin typeface="Consolas" panose="020B0609020204030204" pitchFamily="49" charset="0"/>
               </a:rPr>
-            </a:br>
+              <a:t>proxy_pass</a:t>
+            </a:r>
             <a:r>
               <a:rPr lang="en-US" altLang="zh-CN" sz="900" b="0" dirty="0">
                 <a:solidFill>
@@ -4172,7 +4027,7 @@
                 <a:effectLst/>
                 <a:latin typeface="Consolas" panose="020B0609020204030204" pitchFamily="49" charset="0"/>
               </a:rPr>
-              <a:t>location </a:t>
+              <a:t>             </a:t>
             </a:r>
             <a:r>
               <a:rPr lang="en-US" altLang="zh-CN" sz="900" b="0" dirty="0">
@@ -4182,37 +4037,27 @@
                 <a:effectLst/>
                 <a:latin typeface="Consolas" panose="020B0609020204030204" pitchFamily="49" charset="0"/>
               </a:rPr>
-              <a:t>/</a:t>
-            </a:r>
-            <a:r>
-              <a:rPr lang="en-US" altLang="zh-CN" sz="900" b="0" dirty="0" err="1">
-                <a:solidFill>
-                  <a:srgbClr val="448C27"/>
-                </a:solidFill>
-                <a:effectLst/>
-                <a:latin typeface="Consolas" panose="020B0609020204030204" pitchFamily="49" charset="0"/>
-              </a:rPr>
-              <a:t>abe</a:t>
-            </a:r>
-            <a:r>
-              <a:rPr lang="en-US" altLang="zh-CN" sz="900" b="0" dirty="0">
-                <a:solidFill>
-                  <a:srgbClr val="333333"/>
-                </a:solidFill>
-                <a:effectLst/>
-                <a:latin typeface="Consolas" panose="020B0609020204030204" pitchFamily="49" charset="0"/>
-              </a:rPr>
-              <a:t> </a:t>
-            </a:r>
-            <a:r>
-              <a:rPr lang="en-US" altLang="zh-CN" sz="900" b="0" dirty="0">
-                <a:solidFill>
-                  <a:srgbClr val="448C27"/>
-                </a:solidFill>
-                <a:effectLst/>
-                <a:latin typeface="Consolas" panose="020B0609020204030204" pitchFamily="49" charset="0"/>
-              </a:rPr>
-              <a:t>{</a:t>
+              <a:t>http://localhost:</a:t>
+            </a:r>
+            <a:r>
+              <a:rPr lang="en-US" altLang="zh-CN" sz="900" b="0" dirty="0">
+                <a:solidFill>
+                  <a:srgbClr val="9C5D27"/>
+                </a:solidFill>
+                <a:effectLst/>
+                <a:latin typeface="Consolas" panose="020B0609020204030204" pitchFamily="49" charset="0"/>
+              </a:rPr>
+              <a:t>8080</a:t>
+            </a:r>
+            <a:r>
+              <a:rPr lang="en-US" altLang="zh-CN" sz="900" b="0" dirty="0">
+                <a:solidFill>
+                  <a:srgbClr val="777777"/>
+                </a:solidFill>
+                <a:effectLst/>
+                <a:latin typeface="Consolas" panose="020B0609020204030204" pitchFamily="49" charset="0"/>
+              </a:rPr>
+              <a:t>;</a:t>
             </a:r>
             <a:endParaRPr lang="en-US" altLang="zh-CN" sz="900" b="0" dirty="0">
               <a:solidFill>
@@ -4241,7 +4086,7 @@
                 <a:effectLst/>
                 <a:latin typeface="Consolas" panose="020B0609020204030204" pitchFamily="49" charset="0"/>
               </a:rPr>
-              <a:t>proxy_pass</a:t>
+              <a:t>proxy_redirect</a:t>
             </a:r>
             <a:r>
               <a:rPr lang="en-US" altLang="zh-CN" sz="900" b="0" dirty="0">
@@ -4251,7 +4096,7 @@
                 <a:effectLst/>
                 <a:latin typeface="Consolas" panose="020B0609020204030204" pitchFamily="49" charset="0"/>
               </a:rPr>
-              <a:t>             </a:t>
+              <a:t>         </a:t>
             </a:r>
             <a:r>
               <a:rPr lang="en-US" altLang="zh-CN" sz="900" b="0" dirty="0">
@@ -4261,17 +4106,7 @@
                 <a:effectLst/>
                 <a:latin typeface="Consolas" panose="020B0609020204030204" pitchFamily="49" charset="0"/>
               </a:rPr>
-              <a:t>http://localhost:</a:t>
-            </a:r>
-            <a:r>
-              <a:rPr lang="en-US" altLang="zh-CN" sz="900" b="0" dirty="0">
-                <a:solidFill>
-                  <a:srgbClr val="9C5D27"/>
-                </a:solidFill>
-                <a:effectLst/>
-                <a:latin typeface="Consolas" panose="020B0609020204030204" pitchFamily="49" charset="0"/>
-              </a:rPr>
-              <a:t>8080</a:t>
+              <a:t>off</a:t>
             </a:r>
             <a:r>
               <a:rPr lang="en-US" altLang="zh-CN" sz="900" b="0" dirty="0">
@@ -4310,7 +4145,7 @@
                 <a:effectLst/>
                 <a:latin typeface="Consolas" panose="020B0609020204030204" pitchFamily="49" charset="0"/>
               </a:rPr>
-              <a:t>proxy_redirect</a:t>
+              <a:t>proxy_set_header</a:t>
             </a:r>
             <a:r>
               <a:rPr lang="en-US" altLang="zh-CN" sz="900" b="0" dirty="0">
@@ -4320,7 +4155,7 @@
                 <a:effectLst/>
                 <a:latin typeface="Consolas" panose="020B0609020204030204" pitchFamily="49" charset="0"/>
               </a:rPr>
-              <a:t>         </a:t>
+              <a:t>       </a:t>
             </a:r>
             <a:r>
               <a:rPr lang="en-US" altLang="zh-CN" sz="900" b="0" dirty="0">
@@ -4330,7 +4165,27 @@
                 <a:effectLst/>
                 <a:latin typeface="Consolas" panose="020B0609020204030204" pitchFamily="49" charset="0"/>
               </a:rPr>
-              <a:t>off</a:t>
+              <a:t>Host</a:t>
+            </a:r>
+            <a:r>
+              <a:rPr lang="en-US" altLang="zh-CN" sz="900" b="0" dirty="0">
+                <a:solidFill>
+                  <a:srgbClr val="333333"/>
+                </a:solidFill>
+                <a:effectLst/>
+                <a:latin typeface="Consolas" panose="020B0609020204030204" pitchFamily="49" charset="0"/>
+              </a:rPr>
+              <a:t>  </a:t>
+            </a:r>
+            <a:r>
+              <a:rPr lang="en-US" altLang="zh-CN" sz="900" b="0" dirty="0">
+                <a:solidFill>
+                  <a:srgbClr val="7A3E9D"/>
+                </a:solidFill>
+                <a:effectLst/>
+                <a:latin typeface="Consolas" panose="020B0609020204030204" pitchFamily="49" charset="0"/>
+              </a:rPr>
+              <a:t>$host</a:t>
             </a:r>
             <a:r>
               <a:rPr lang="en-US" altLang="zh-CN" sz="900" b="0" dirty="0">
@@ -4389,7 +4244,7 @@
                 <a:effectLst/>
                 <a:latin typeface="Consolas" panose="020B0609020204030204" pitchFamily="49" charset="0"/>
               </a:rPr>
-              <a:t>Host</a:t>
+              <a:t>X-Real-IP</a:t>
             </a:r>
             <a:r>
               <a:rPr lang="en-US" altLang="zh-CN" sz="900" b="0" dirty="0">
@@ -4399,7 +4254,7 @@
                 <a:effectLst/>
                 <a:latin typeface="Consolas" panose="020B0609020204030204" pitchFamily="49" charset="0"/>
               </a:rPr>
-              <a:t>  </a:t>
+              <a:t> </a:t>
             </a:r>
             <a:r>
               <a:rPr lang="en-US" altLang="zh-CN" sz="900" b="0" dirty="0">
@@ -4409,7 +4264,17 @@
                 <a:effectLst/>
                 <a:latin typeface="Consolas" panose="020B0609020204030204" pitchFamily="49" charset="0"/>
               </a:rPr>
-              <a:t>$host</a:t>
+              <a:t>$</a:t>
+            </a:r>
+            <a:r>
+              <a:rPr lang="en-US" altLang="zh-CN" sz="900" b="0" dirty="0" err="1">
+                <a:solidFill>
+                  <a:srgbClr val="7A3E9D"/>
+                </a:solidFill>
+                <a:effectLst/>
+                <a:latin typeface="Consolas" panose="020B0609020204030204" pitchFamily="49" charset="0"/>
+              </a:rPr>
+              <a:t>remote_addr</a:t>
             </a:r>
             <a:r>
               <a:rPr lang="en-US" altLang="zh-CN" sz="900" b="0" dirty="0">
@@ -4438,18 +4303,41 @@
                 <a:effectLst/>
                 <a:latin typeface="Consolas" panose="020B0609020204030204" pitchFamily="49" charset="0"/>
               </a:rPr>
-              <a:t>  </a:t>
-            </a:r>
-            <a:r>
-              <a:rPr lang="en-US" altLang="zh-CN" sz="900" b="0" dirty="0" err="1">
+              <a:t>}</a:t>
+            </a:r>
+            <a:endParaRPr lang="en-US" altLang="zh-CN" sz="900" dirty="0">
+              <a:solidFill>
+                <a:srgbClr val="333333"/>
+              </a:solidFill>
+              <a:latin typeface="Consolas" panose="020B0609020204030204" pitchFamily="49" charset="0"/>
+            </a:endParaRPr>
+          </a:p>
+          <a:p>
+            <a:endParaRPr lang="en-US" altLang="zh-CN" sz="900" dirty="0">
+              <a:solidFill>
+                <a:srgbClr val="333333"/>
+              </a:solidFill>
+              <a:latin typeface="Consolas" panose="020B0609020204030204" pitchFamily="49" charset="0"/>
+            </a:endParaRPr>
+          </a:p>
+          <a:p>
+            <a:endParaRPr lang="en-US" altLang="zh-CN" sz="900" dirty="0">
+              <a:solidFill>
+                <a:srgbClr val="333333"/>
+              </a:solidFill>
+              <a:latin typeface="Consolas" panose="020B0609020204030204" pitchFamily="49" charset="0"/>
+            </a:endParaRPr>
+          </a:p>
+          <a:p>
+            <a:br>
+              <a:rPr lang="en-US" altLang="zh-CN" sz="900" b="0" dirty="0">
                 <a:solidFill>
                   <a:srgbClr val="333333"/>
                 </a:solidFill>
                 <a:effectLst/>
                 <a:latin typeface="Consolas" panose="020B0609020204030204" pitchFamily="49" charset="0"/>
               </a:rPr>
-              <a:t>proxy_set_header</a:t>
-            </a:r>
+            </a:br>
             <a:r>
               <a:rPr lang="en-US" altLang="zh-CN" sz="900" b="0" dirty="0">
                 <a:solidFill>
@@ -4458,7 +4346,7 @@
                 <a:effectLst/>
                 <a:latin typeface="Consolas" panose="020B0609020204030204" pitchFamily="49" charset="0"/>
               </a:rPr>
-              <a:t>       </a:t>
+              <a:t>location </a:t>
             </a:r>
             <a:r>
               <a:rPr lang="en-US" altLang="zh-CN" sz="900" b="0" dirty="0">
@@ -4468,7 +4356,7 @@
                 <a:effectLst/>
                 <a:latin typeface="Consolas" panose="020B0609020204030204" pitchFamily="49" charset="0"/>
               </a:rPr>
-              <a:t>X-Real-IP</a:t>
+              <a:t>/cert</a:t>
             </a:r>
             <a:r>
               <a:rPr lang="en-US" altLang="zh-CN" sz="900" b="0" dirty="0">
@@ -4483,32 +4371,12 @@
             <a:r>
               <a:rPr lang="en-US" altLang="zh-CN" sz="900" b="0" dirty="0">
                 <a:solidFill>
-                  <a:srgbClr val="7A3E9D"/>
-                </a:solidFill>
-                <a:effectLst/>
-                <a:latin typeface="Consolas" panose="020B0609020204030204" pitchFamily="49" charset="0"/>
-              </a:rPr>
-              <a:t>$</a:t>
-            </a:r>
-            <a:r>
-              <a:rPr lang="en-US" altLang="zh-CN" sz="900" b="0" dirty="0" err="1">
-                <a:solidFill>
-                  <a:srgbClr val="7A3E9D"/>
-                </a:solidFill>
-                <a:effectLst/>
-                <a:latin typeface="Consolas" panose="020B0609020204030204" pitchFamily="49" charset="0"/>
-              </a:rPr>
-              <a:t>remote_addr</a:t>
-            </a:r>
-            <a:r>
-              <a:rPr lang="en-US" altLang="zh-CN" sz="900" b="0" dirty="0">
-                <a:solidFill>
-                  <a:srgbClr val="777777"/>
-                </a:solidFill>
-                <a:effectLst/>
-                <a:latin typeface="Consolas" panose="020B0609020204030204" pitchFamily="49" charset="0"/>
-              </a:rPr>
-              <a:t>;</a:t>
+                  <a:srgbClr val="448C27"/>
+                </a:solidFill>
+                <a:effectLst/>
+                <a:latin typeface="Consolas" panose="020B0609020204030204" pitchFamily="49" charset="0"/>
+              </a:rPr>
+              <a:t>{</a:t>
             </a:r>
             <a:endParaRPr lang="en-US" altLang="zh-CN" sz="900" b="0" dirty="0">
               <a:solidFill>
@@ -4527,68 +4395,27 @@
                 <a:effectLst/>
                 <a:latin typeface="Consolas" panose="020B0609020204030204" pitchFamily="49" charset="0"/>
               </a:rPr>
-              <a:t>}</a:t>
-            </a:r>
-          </a:p>
-          <a:p>
-            <a:br>
-              <a:rPr lang="en-US" altLang="zh-CN" sz="900" b="0" dirty="0">
-                <a:solidFill>
-                  <a:srgbClr val="333333"/>
-                </a:solidFill>
-                <a:effectLst/>
-                <a:latin typeface="Consolas" panose="020B0609020204030204" pitchFamily="49" charset="0"/>
-              </a:rPr>
-            </a:br>
-            <a:r>
-              <a:rPr lang="en-US" altLang="zh-CN" sz="900" b="0" dirty="0">
-                <a:solidFill>
-                  <a:srgbClr val="333333"/>
-                </a:solidFill>
-                <a:effectLst/>
-                <a:latin typeface="Consolas" panose="020B0609020204030204" pitchFamily="49" charset="0"/>
-              </a:rPr>
-              <a:t>location </a:t>
-            </a:r>
-            <a:r>
-              <a:rPr lang="en-US" altLang="zh-CN" sz="900" b="0" dirty="0">
-                <a:solidFill>
-                  <a:srgbClr val="448C27"/>
-                </a:solidFill>
-                <a:effectLst/>
-                <a:latin typeface="Consolas" panose="020B0609020204030204" pitchFamily="49" charset="0"/>
-              </a:rPr>
-              <a:t>/</a:t>
-            </a:r>
-            <a:r>
-              <a:rPr lang="en-US" altLang="zh-CN" sz="900" b="0" dirty="0" err="1">
-                <a:solidFill>
-                  <a:srgbClr val="448C27"/>
-                </a:solidFill>
-                <a:effectLst/>
-                <a:latin typeface="Consolas" panose="020B0609020204030204" pitchFamily="49" charset="0"/>
-              </a:rPr>
-              <a:t>dpki</a:t>
-            </a:r>
-            <a:r>
-              <a:rPr lang="en-US" altLang="zh-CN" sz="900" b="0" dirty="0">
-                <a:solidFill>
-                  <a:srgbClr val="333333"/>
-                </a:solidFill>
-                <a:effectLst/>
-                <a:latin typeface="Consolas" panose="020B0609020204030204" pitchFamily="49" charset="0"/>
-              </a:rPr>
-              <a:t> </a:t>
-            </a:r>
-            <a:r>
-              <a:rPr lang="en-US" altLang="zh-CN" sz="900" b="0" dirty="0">
-                <a:solidFill>
-                  <a:srgbClr val="448C27"/>
-                </a:solidFill>
-                <a:effectLst/>
-                <a:latin typeface="Consolas" panose="020B0609020204030204" pitchFamily="49" charset="0"/>
-              </a:rPr>
-              <a:t>{</a:t>
+              <a:t>  </a:t>
+            </a:r>
+            <a:r>
+              <a:rPr lang="en-US" altLang="zh-CN" sz="900" b="0" i="1" dirty="0">
+                <a:solidFill>
+                  <a:srgbClr val="AAAAAA"/>
+                </a:solidFill>
+                <a:effectLst/>
+                <a:latin typeface="Consolas" panose="020B0609020204030204" pitchFamily="49" charset="0"/>
+              </a:rPr>
+              <a:t>#</a:t>
+            </a:r>
+            <a:r>
+              <a:rPr lang="zh-CN" altLang="en-US" sz="900" b="0" dirty="0">
+                <a:solidFill>
+                  <a:srgbClr val="AAAAAA"/>
+                </a:solidFill>
+                <a:effectLst/>
+                <a:latin typeface="Consolas" panose="020B0609020204030204" pitchFamily="49" charset="0"/>
+              </a:rPr>
+              <a:t> 重定向</a:t>
             </a:r>
             <a:endParaRPr lang="en-US" altLang="zh-CN" sz="900" b="0" dirty="0">
               <a:solidFill>
@@ -4607,7 +4434,47 @@
                 <a:effectLst/>
                 <a:latin typeface="Consolas" panose="020B0609020204030204" pitchFamily="49" charset="0"/>
               </a:rPr>
-              <a:t>  rewrite </a:t>
+              <a:t>  </a:t>
+            </a:r>
+            <a:r>
+              <a:rPr lang="en-US" altLang="zh-CN" sz="900" b="0" dirty="0">
+                <a:solidFill>
+                  <a:srgbClr val="4B69C6"/>
+                </a:solidFill>
+                <a:effectLst/>
+                <a:latin typeface="Consolas" panose="020B0609020204030204" pitchFamily="49" charset="0"/>
+              </a:rPr>
+              <a:t>return</a:t>
+            </a:r>
+            <a:r>
+              <a:rPr lang="en-US" altLang="zh-CN" sz="900" b="0" dirty="0">
+                <a:solidFill>
+                  <a:srgbClr val="333333"/>
+                </a:solidFill>
+                <a:effectLst/>
+                <a:latin typeface="Consolas" panose="020B0609020204030204" pitchFamily="49" charset="0"/>
+              </a:rPr>
+              <a:t> </a:t>
+            </a:r>
+            <a:r>
+              <a:rPr lang="en-US" altLang="zh-CN" sz="900" b="0" dirty="0">
+                <a:solidFill>
+                  <a:srgbClr val="9C5D27"/>
+                </a:solidFill>
+                <a:effectLst/>
+                <a:latin typeface="Consolas" panose="020B0609020204030204" pitchFamily="49" charset="0"/>
+              </a:rPr>
+              <a:t>301</a:t>
+            </a:r>
+            <a:r>
+              <a:rPr lang="en-US" altLang="zh-CN" sz="900" b="0" dirty="0">
+                <a:solidFill>
+                  <a:srgbClr val="333333"/>
+                </a:solidFill>
+                <a:effectLst/>
+                <a:latin typeface="Consolas" panose="020B0609020204030204" pitchFamily="49" charset="0"/>
+              </a:rPr>
+              <a:t> </a:t>
             </a:r>
             <a:r>
               <a:rPr lang="en-US" altLang="zh-CN" sz="900" b="0" dirty="0">
@@ -4617,117 +4484,17 @@
                 <a:effectLst/>
                 <a:latin typeface="Consolas" panose="020B0609020204030204" pitchFamily="49" charset="0"/>
               </a:rPr>
-              <a:t>/</a:t>
-            </a:r>
-            <a:r>
-              <a:rPr lang="en-US" altLang="zh-CN" sz="900" b="0" dirty="0" err="1">
-                <a:solidFill>
-                  <a:srgbClr val="448C27"/>
-                </a:solidFill>
-                <a:effectLst/>
-                <a:latin typeface="Consolas" panose="020B0609020204030204" pitchFamily="49" charset="0"/>
-              </a:rPr>
-              <a:t>dpki</a:t>
-            </a:r>
-            <a:r>
-              <a:rPr lang="en-US" altLang="zh-CN" sz="900" b="0" dirty="0">
-                <a:solidFill>
-                  <a:srgbClr val="448C27"/>
-                </a:solidFill>
-                <a:effectLst/>
-                <a:latin typeface="Consolas" panose="020B0609020204030204" pitchFamily="49" charset="0"/>
-              </a:rPr>
-              <a:t>/</a:t>
-            </a:r>
-            <a:r>
-              <a:rPr lang="en-US" altLang="zh-CN" sz="900" b="0" dirty="0">
-                <a:solidFill>
-                  <a:srgbClr val="777777"/>
-                </a:solidFill>
-                <a:effectLst/>
-                <a:latin typeface="Consolas" panose="020B0609020204030204" pitchFamily="49" charset="0"/>
-              </a:rPr>
-              <a:t>(</a:t>
-            </a:r>
-            <a:r>
-              <a:rPr lang="en-US" altLang="zh-CN" sz="900" b="1" dirty="0">
-                <a:solidFill>
-                  <a:srgbClr val="AA3731"/>
-                </a:solidFill>
-                <a:effectLst/>
-                <a:latin typeface="Consolas" panose="020B0609020204030204" pitchFamily="49" charset="0"/>
-              </a:rPr>
-              <a:t>.</a:t>
-            </a:r>
-            <a:r>
-              <a:rPr lang="en-US" altLang="zh-CN" sz="900" b="0" dirty="0">
-                <a:solidFill>
-                  <a:srgbClr val="333333"/>
-                </a:solidFill>
-                <a:effectLst/>
-                <a:latin typeface="Consolas" panose="020B0609020204030204" pitchFamily="49" charset="0"/>
-              </a:rPr>
-              <a:t>*</a:t>
-            </a:r>
-            <a:r>
-              <a:rPr lang="en-US" altLang="zh-CN" sz="900" b="0" dirty="0">
-                <a:solidFill>
-                  <a:srgbClr val="777777"/>
-                </a:solidFill>
-                <a:effectLst/>
-                <a:latin typeface="Consolas" panose="020B0609020204030204" pitchFamily="49" charset="0"/>
-              </a:rPr>
-              <a:t>)</a:t>
-            </a:r>
-            <a:r>
-              <a:rPr lang="en-US" altLang="zh-CN" sz="900" b="0" dirty="0">
-                <a:solidFill>
-                  <a:srgbClr val="333333"/>
-                </a:solidFill>
-                <a:effectLst/>
-                <a:latin typeface="Consolas" panose="020B0609020204030204" pitchFamily="49" charset="0"/>
-              </a:rPr>
-              <a:t> </a:t>
-            </a:r>
-            <a:r>
-              <a:rPr lang="en-US" altLang="zh-CN" sz="900" b="0" dirty="0">
-                <a:solidFill>
-                  <a:srgbClr val="448C27"/>
-                </a:solidFill>
-                <a:effectLst/>
-                <a:latin typeface="Consolas" panose="020B0609020204030204" pitchFamily="49" charset="0"/>
-              </a:rPr>
-              <a:t>/</a:t>
-            </a:r>
-            <a:r>
-              <a:rPr lang="en-US" altLang="zh-CN" sz="900" b="0" dirty="0">
-                <a:solidFill>
-                  <a:srgbClr val="7A3E9D"/>
-                </a:solidFill>
-                <a:effectLst/>
-                <a:latin typeface="Consolas" panose="020B0609020204030204" pitchFamily="49" charset="0"/>
-              </a:rPr>
-              <a:t>$1</a:t>
-            </a:r>
-            <a:r>
-              <a:rPr lang="en-US" altLang="zh-CN" sz="900" b="0" dirty="0">
-                <a:solidFill>
-                  <a:srgbClr val="333333"/>
-                </a:solidFill>
-                <a:effectLst/>
-                <a:latin typeface="Consolas" panose="020B0609020204030204" pitchFamily="49" charset="0"/>
-              </a:rPr>
-              <a:t>  </a:t>
-            </a:r>
-            <a:r>
-              <a:rPr lang="en-US" altLang="zh-CN" sz="900" b="0" dirty="0">
-                <a:solidFill>
-                  <a:srgbClr val="448C27"/>
-                </a:solidFill>
-                <a:effectLst/>
-                <a:latin typeface="Consolas" panose="020B0609020204030204" pitchFamily="49" charset="0"/>
-              </a:rPr>
-              <a:t>break</a:t>
+              <a:t>http://</a:t>
+            </a:r>
+            <a:r>
+              <a:rPr lang="en-US" altLang="zh-CN" sz="900" b="0" dirty="0">
+                <a:solidFill>
+                  <a:srgbClr val="9C5D27"/>
+                </a:solidFill>
+                <a:effectLst/>
+                <a:latin typeface="Consolas" panose="020B0609020204030204" pitchFamily="49" charset="0"/>
+              </a:rPr>
+              <a:t>10.176.40.47</a:t>
             </a:r>
             <a:r>
               <a:rPr lang="en-US" altLang="zh-CN" sz="900" b="0" dirty="0">
@@ -4756,206 +4523,17 @@
                 <a:effectLst/>
                 <a:latin typeface="Consolas" panose="020B0609020204030204" pitchFamily="49" charset="0"/>
               </a:rPr>
-              <a:t>  </a:t>
-            </a:r>
-            <a:r>
-              <a:rPr lang="en-US" altLang="zh-CN" sz="900" b="0" dirty="0" err="1">
-                <a:solidFill>
-                  <a:srgbClr val="333333"/>
-                </a:solidFill>
-                <a:effectLst/>
-                <a:latin typeface="Consolas" panose="020B0609020204030204" pitchFamily="49" charset="0"/>
-              </a:rPr>
-              <a:t>proxy_pass</a:t>
-            </a:r>
-            <a:r>
-              <a:rPr lang="en-US" altLang="zh-CN" sz="900" b="0" dirty="0">
-                <a:solidFill>
-                  <a:srgbClr val="333333"/>
-                </a:solidFill>
-                <a:effectLst/>
-                <a:latin typeface="Consolas" panose="020B0609020204030204" pitchFamily="49" charset="0"/>
-              </a:rPr>
-              <a:t>              </a:t>
-            </a:r>
-            <a:r>
-              <a:rPr lang="en-US" altLang="zh-CN" sz="900" b="0" dirty="0">
-                <a:solidFill>
-                  <a:srgbClr val="448C27"/>
-                </a:solidFill>
-                <a:effectLst/>
-                <a:latin typeface="Consolas" panose="020B0609020204030204" pitchFamily="49" charset="0"/>
-              </a:rPr>
-              <a:t>http://certificates</a:t>
-            </a:r>
-            <a:r>
-              <a:rPr lang="en-US" altLang="zh-CN" sz="900" b="0" dirty="0">
-                <a:solidFill>
-                  <a:srgbClr val="777777"/>
-                </a:solidFill>
-                <a:effectLst/>
-                <a:latin typeface="Consolas" panose="020B0609020204030204" pitchFamily="49" charset="0"/>
-              </a:rPr>
-              <a:t>;</a:t>
-            </a:r>
-            <a:endParaRPr lang="en-US" altLang="zh-CN" sz="900" b="0" dirty="0">
+              <a:t>}</a:t>
+            </a:r>
+          </a:p>
+          <a:p>
+            <a:endParaRPr lang="en-US" altLang="zh-CN" sz="900" dirty="0">
               <a:solidFill>
                 <a:srgbClr val="333333"/>
               </a:solidFill>
-              <a:effectLst/>
               <a:latin typeface="Consolas" panose="020B0609020204030204" pitchFamily="49" charset="0"/>
             </a:endParaRPr>
           </a:p>
-          <a:p>
-            <a:r>
-              <a:rPr lang="en-US" altLang="zh-CN" sz="900" b="0" dirty="0">
-                <a:solidFill>
-                  <a:srgbClr val="333333"/>
-                </a:solidFill>
-                <a:effectLst/>
-                <a:latin typeface="Consolas" panose="020B0609020204030204" pitchFamily="49" charset="0"/>
-              </a:rPr>
-              <a:t>  </a:t>
-            </a:r>
-            <a:r>
-              <a:rPr lang="en-US" altLang="zh-CN" sz="900" b="0" dirty="0" err="1">
-                <a:solidFill>
-                  <a:srgbClr val="333333"/>
-                </a:solidFill>
-                <a:effectLst/>
-                <a:latin typeface="Consolas" panose="020B0609020204030204" pitchFamily="49" charset="0"/>
-              </a:rPr>
-              <a:t>proxy_redirect</a:t>
-            </a:r>
-            <a:r>
-              <a:rPr lang="en-US" altLang="zh-CN" sz="900" b="0" dirty="0">
-                <a:solidFill>
-                  <a:srgbClr val="333333"/>
-                </a:solidFill>
-                <a:effectLst/>
-                <a:latin typeface="Consolas" panose="020B0609020204030204" pitchFamily="49" charset="0"/>
-              </a:rPr>
-              <a:t>          </a:t>
-            </a:r>
-            <a:r>
-              <a:rPr lang="en-US" altLang="zh-CN" sz="900" b="0" dirty="0">
-                <a:solidFill>
-                  <a:srgbClr val="448C27"/>
-                </a:solidFill>
-                <a:effectLst/>
-                <a:latin typeface="Consolas" panose="020B0609020204030204" pitchFamily="49" charset="0"/>
-              </a:rPr>
-              <a:t>off</a:t>
-            </a:r>
-            <a:r>
-              <a:rPr lang="en-US" altLang="zh-CN" sz="900" b="0" dirty="0">
-                <a:solidFill>
-                  <a:srgbClr val="777777"/>
-                </a:solidFill>
-                <a:effectLst/>
-                <a:latin typeface="Consolas" panose="020B0609020204030204" pitchFamily="49" charset="0"/>
-              </a:rPr>
-              <a:t>;</a:t>
-            </a:r>
-            <a:endParaRPr lang="en-US" altLang="zh-CN" sz="900" b="0" dirty="0">
-              <a:solidFill>
-                <a:srgbClr val="333333"/>
-              </a:solidFill>
-              <a:effectLst/>
-              <a:latin typeface="Consolas" panose="020B0609020204030204" pitchFamily="49" charset="0"/>
-            </a:endParaRPr>
-          </a:p>
-          <a:p>
-            <a:r>
-              <a:rPr lang="en-US" altLang="zh-CN" sz="900" b="0" dirty="0">
-                <a:solidFill>
-                  <a:srgbClr val="333333"/>
-                </a:solidFill>
-                <a:effectLst/>
-                <a:latin typeface="Consolas" panose="020B0609020204030204" pitchFamily="49" charset="0"/>
-              </a:rPr>
-              <a:t>  </a:t>
-            </a:r>
-            <a:r>
-              <a:rPr lang="en-US" altLang="zh-CN" sz="900" b="0" dirty="0" err="1">
-                <a:solidFill>
-                  <a:srgbClr val="333333"/>
-                </a:solidFill>
-                <a:effectLst/>
-                <a:latin typeface="Consolas" panose="020B0609020204030204" pitchFamily="49" charset="0"/>
-              </a:rPr>
-              <a:t>proxy_set_header</a:t>
-            </a:r>
-            <a:r>
-              <a:rPr lang="en-US" altLang="zh-CN" sz="900" b="0" dirty="0">
-                <a:solidFill>
-                  <a:srgbClr val="333333"/>
-                </a:solidFill>
-                <a:effectLst/>
-                <a:latin typeface="Consolas" panose="020B0609020204030204" pitchFamily="49" charset="0"/>
-              </a:rPr>
-              <a:t>        </a:t>
-            </a:r>
-            <a:r>
-              <a:rPr lang="en-US" altLang="zh-CN" sz="900" b="0" dirty="0">
-                <a:solidFill>
-                  <a:srgbClr val="448C27"/>
-                </a:solidFill>
-                <a:effectLst/>
-                <a:latin typeface="Consolas" panose="020B0609020204030204" pitchFamily="49" charset="0"/>
-              </a:rPr>
-              <a:t>Host</a:t>
-            </a:r>
-            <a:r>
-              <a:rPr lang="en-US" altLang="zh-CN" sz="900" b="0" dirty="0">
-                <a:solidFill>
-                  <a:srgbClr val="333333"/>
-                </a:solidFill>
-                <a:effectLst/>
-                <a:latin typeface="Consolas" panose="020B0609020204030204" pitchFamily="49" charset="0"/>
-              </a:rPr>
-              <a:t>   </a:t>
-            </a:r>
-            <a:r>
-              <a:rPr lang="en-US" altLang="zh-CN" sz="900" b="0" dirty="0">
-                <a:solidFill>
-                  <a:srgbClr val="7A3E9D"/>
-                </a:solidFill>
-                <a:effectLst/>
-                <a:latin typeface="Consolas" panose="020B0609020204030204" pitchFamily="49" charset="0"/>
-              </a:rPr>
-              <a:t>$host</a:t>
-            </a:r>
-            <a:r>
-              <a:rPr lang="en-US" altLang="zh-CN" sz="900" b="0" dirty="0">
-                <a:solidFill>
-                  <a:srgbClr val="777777"/>
-                </a:solidFill>
-                <a:effectLst/>
-                <a:latin typeface="Consolas" panose="020B0609020204030204" pitchFamily="49" charset="0"/>
-              </a:rPr>
-              <a:t>;</a:t>
-            </a:r>
-            <a:endParaRPr lang="en-US" altLang="zh-CN" sz="900" b="0" dirty="0">
-              <a:solidFill>
-                <a:srgbClr val="333333"/>
-              </a:solidFill>
-              <a:effectLst/>
-              <a:latin typeface="Consolas" panose="020B0609020204030204" pitchFamily="49" charset="0"/>
-            </a:endParaRPr>
-          </a:p>
-          <a:p>
-            <a:r>
-              <a:rPr lang="en-US" altLang="zh-CN" sz="900" b="0" dirty="0">
-                <a:solidFill>
-                  <a:srgbClr val="333333"/>
-                </a:solidFill>
-                <a:effectLst/>
-                <a:latin typeface="Consolas" panose="020B0609020204030204" pitchFamily="49" charset="0"/>
-              </a:rPr>
-              <a:t>}</a:t>
-            </a:r>
-          </a:p>
         </p:txBody>
       </p:sp>
       <p:sp>
@@ -4972,8 +4550,8 @@
         </p:nvSpPr>
         <p:spPr>
           <a:xfrm>
-            <a:off x="6529105" y="992980"/>
-            <a:ext cx="2800633" cy="833586"/>
+            <a:off x="6529106" y="992980"/>
+            <a:ext cx="2089250" cy="833586"/>
           </a:xfrm>
           <a:prstGeom prst="rect">
             <a:avLst/>
@@ -5121,8 +4699,8 @@
         </p:nvSpPr>
         <p:spPr>
           <a:xfrm>
-            <a:off x="6529105" y="2015324"/>
-            <a:ext cx="2800633" cy="634784"/>
+            <a:off x="6529106" y="2015324"/>
+            <a:ext cx="2089250" cy="634784"/>
           </a:xfrm>
           <a:prstGeom prst="rect">
             <a:avLst/>
@@ -5234,10 +4812,10 @@
       </p:sp>
       <p:sp>
         <p:nvSpPr>
-          <p:cNvPr id="8" name="矩形 7">
-            <a:extLst>
-              <a:ext uri="{FF2B5EF4-FFF2-40B4-BE49-F238E27FC236}">
-                <a16:creationId xmlns:a16="http://schemas.microsoft.com/office/drawing/2014/main" id="{F769EF43-1FED-49E7-A0F3-6D39715F457D}"/>
+          <p:cNvPr id="9" name="矩形 8">
+            <a:extLst>
+              <a:ext uri="{FF2B5EF4-FFF2-40B4-BE49-F238E27FC236}">
+                <a16:creationId xmlns:a16="http://schemas.microsoft.com/office/drawing/2014/main" id="{8FD6A477-9F90-4CE8-BDF2-432FBEF638E3}"/>
               </a:ext>
             </a:extLst>
           </p:cNvPr>
@@ -5246,8 +4824,8 @@
         </p:nvSpPr>
         <p:spPr>
           <a:xfrm>
-            <a:off x="6529105" y="2838866"/>
-            <a:ext cx="2800633" cy="634784"/>
+            <a:off x="7272337" y="3020795"/>
+            <a:ext cx="1346019" cy="631530"/>
           </a:xfrm>
           <a:prstGeom prst="rect">
             <a:avLst/>
@@ -5275,111 +4853,6 @@
           <a:lstStyle/>
           <a:p>
             <a:r>
-              <a:rPr lang="en-US" altLang="zh-CN" sz="900" b="0" dirty="0">
-                <a:solidFill>
-                  <a:srgbClr val="448C27"/>
-                </a:solidFill>
-                <a:effectLst/>
-                <a:latin typeface="Consolas" panose="020B0609020204030204" pitchFamily="49" charset="0"/>
-              </a:rPr>
-              <a:t>/home/</a:t>
-            </a:r>
-            <a:r>
-              <a:rPr lang="en-US" altLang="zh-CN" sz="900" b="0" dirty="0" err="1">
-                <a:solidFill>
-                  <a:srgbClr val="448C27"/>
-                </a:solidFill>
-                <a:effectLst/>
-                <a:latin typeface="Consolas" panose="020B0609020204030204" pitchFamily="49" charset="0"/>
-              </a:rPr>
-              <a:t>zdyf</a:t>
-            </a:r>
-            <a:r>
-              <a:rPr lang="en-US" altLang="zh-CN" sz="900" b="0" dirty="0">
-                <a:solidFill>
-                  <a:srgbClr val="448C27"/>
-                </a:solidFill>
-                <a:effectLst/>
-                <a:latin typeface="Consolas" panose="020B0609020204030204" pitchFamily="49" charset="0"/>
-              </a:rPr>
-              <a:t>/cert/</a:t>
-            </a:r>
-          </a:p>
-          <a:p>
-            <a:pPr marL="171450" indent="-171450">
-              <a:buFont typeface="Wingdings" panose="05000000000000000000" pitchFamily="2" charset="2"/>
-              <a:buChar char="Ø"/>
-            </a:pPr>
-            <a:r>
-              <a:rPr lang="en-US" altLang="zh-CN" sz="900" dirty="0">
-                <a:solidFill>
-                  <a:srgbClr val="448C27"/>
-                </a:solidFill>
-                <a:latin typeface="Consolas" panose="020B0609020204030204" pitchFamily="49" charset="0"/>
-              </a:rPr>
-              <a:t>assets/</a:t>
-            </a:r>
-          </a:p>
-          <a:p>
-            <a:pPr marL="171450" indent="-171450">
-              <a:buFont typeface="Wingdings" panose="05000000000000000000" pitchFamily="2" charset="2"/>
-              <a:buChar char="Ø"/>
-            </a:pPr>
-            <a:r>
-              <a:rPr lang="en-US" altLang="zh-CN" sz="900" dirty="0">
-                <a:solidFill>
-                  <a:srgbClr val="448C27"/>
-                </a:solidFill>
-                <a:latin typeface="Consolas" panose="020B0609020204030204" pitchFamily="49" charset="0"/>
-              </a:rPr>
-              <a:t>index.html</a:t>
-            </a:r>
-          </a:p>
-        </p:txBody>
-      </p:sp>
-      <p:sp>
-        <p:nvSpPr>
-          <p:cNvPr id="9" name="矩形 8">
-            <a:extLst>
-              <a:ext uri="{FF2B5EF4-FFF2-40B4-BE49-F238E27FC236}">
-                <a16:creationId xmlns:a16="http://schemas.microsoft.com/office/drawing/2014/main" id="{8FD6A477-9F90-4CE8-BDF2-432FBEF638E3}"/>
-              </a:ext>
-            </a:extLst>
-          </p:cNvPr>
-          <p:cNvSpPr/>
-          <p:nvPr/>
-        </p:nvSpPr>
-        <p:spPr>
-          <a:xfrm>
-            <a:off x="7272337" y="3662407"/>
-            <a:ext cx="2057399" cy="745283"/>
-          </a:xfrm>
-          <a:prstGeom prst="rect">
-            <a:avLst/>
-          </a:prstGeom>
-          <a:ln>
-            <a:prstDash val="sysDash"/>
-          </a:ln>
-        </p:spPr>
-        <p:style>
-          <a:lnRef idx="2">
-            <a:schemeClr val="dk1"/>
-          </a:lnRef>
-          <a:fillRef idx="1">
-            <a:schemeClr val="lt1"/>
-          </a:fillRef>
-          <a:effectRef idx="0">
-            <a:schemeClr val="dk1"/>
-          </a:effectRef>
-          <a:fontRef idx="minor">
-            <a:schemeClr val="dk1"/>
-          </a:fontRef>
-        </p:style>
-        <p:txBody>
-          <a:bodyPr rtlCol="0" anchor="ctr"/>
-          <a:lstStyle/>
-          <a:p>
-            <a:r>
               <a:rPr lang="en-US" altLang="zh-CN" sz="900" dirty="0">
                 <a:solidFill>
                   <a:srgbClr val="448C27"/>
@@ -5403,348 +4876,6 @@
               </a:solidFill>
               <a:latin typeface="Consolas" panose="020B0609020204030204" pitchFamily="49" charset="0"/>
             </a:endParaRPr>
-          </a:p>
-        </p:txBody>
-      </p:sp>
-      <p:sp>
-        <p:nvSpPr>
-          <p:cNvPr id="10" name="矩形 9">
-            <a:extLst>
-              <a:ext uri="{FF2B5EF4-FFF2-40B4-BE49-F238E27FC236}">
-                <a16:creationId xmlns:a16="http://schemas.microsoft.com/office/drawing/2014/main" id="{F35E30CF-FD9A-4AF1-9226-03AAE18C851F}"/>
-              </a:ext>
-            </a:extLst>
-          </p:cNvPr>
-          <p:cNvSpPr/>
-          <p:nvPr/>
-        </p:nvSpPr>
-        <p:spPr>
-          <a:xfrm>
-            <a:off x="7272338" y="4557712"/>
-            <a:ext cx="2057400" cy="1056701"/>
-          </a:xfrm>
-          <a:prstGeom prst="rect">
-            <a:avLst/>
-          </a:prstGeom>
-          <a:ln>
-            <a:prstDash val="sysDash"/>
-          </a:ln>
-        </p:spPr>
-        <p:style>
-          <a:lnRef idx="2">
-            <a:schemeClr val="dk1"/>
-          </a:lnRef>
-          <a:fillRef idx="1">
-            <a:schemeClr val="lt1"/>
-          </a:fillRef>
-          <a:effectRef idx="0">
-            <a:schemeClr val="dk1"/>
-          </a:effectRef>
-          <a:fontRef idx="minor">
-            <a:schemeClr val="dk1"/>
-          </a:fontRef>
-        </p:style>
-        <p:txBody>
-          <a:bodyPr rtlCol="0" anchor="ctr"/>
-          <a:lstStyle/>
-          <a:p>
-            <a:r>
-              <a:rPr lang="en-US" altLang="zh-CN" sz="900" b="0" dirty="0">
-                <a:solidFill>
-                  <a:srgbClr val="333333"/>
-                </a:solidFill>
-                <a:effectLst/>
-                <a:latin typeface="Consolas" panose="020B0609020204030204" pitchFamily="49" charset="0"/>
-              </a:rPr>
-              <a:t>upstream </a:t>
-            </a:r>
-            <a:r>
-              <a:rPr lang="en-US" altLang="zh-CN" sz="900" b="0" dirty="0">
-                <a:solidFill>
-                  <a:srgbClr val="448C27"/>
-                </a:solidFill>
-                <a:effectLst/>
-                <a:latin typeface="Consolas" panose="020B0609020204030204" pitchFamily="49" charset="0"/>
-              </a:rPr>
-              <a:t>certificates</a:t>
-            </a:r>
-            <a:r>
-              <a:rPr lang="en-US" altLang="zh-CN" sz="900" b="0" dirty="0">
-                <a:solidFill>
-                  <a:srgbClr val="333333"/>
-                </a:solidFill>
-                <a:effectLst/>
-                <a:latin typeface="Consolas" panose="020B0609020204030204" pitchFamily="49" charset="0"/>
-              </a:rPr>
-              <a:t> </a:t>
-            </a:r>
-            <a:r>
-              <a:rPr lang="en-US" altLang="zh-CN" sz="900" b="0" dirty="0">
-                <a:solidFill>
-                  <a:srgbClr val="448C27"/>
-                </a:solidFill>
-                <a:effectLst/>
-                <a:latin typeface="Consolas" panose="020B0609020204030204" pitchFamily="49" charset="0"/>
-              </a:rPr>
-              <a:t>{</a:t>
-            </a:r>
-            <a:endParaRPr lang="en-US" altLang="zh-CN" sz="900" b="0" dirty="0">
-              <a:solidFill>
-                <a:srgbClr val="333333"/>
-              </a:solidFill>
-              <a:effectLst/>
-              <a:latin typeface="Consolas" panose="020B0609020204030204" pitchFamily="49" charset="0"/>
-            </a:endParaRPr>
-          </a:p>
-          <a:p>
-            <a:r>
-              <a:rPr lang="en-US" altLang="zh-CN" sz="900" b="0" dirty="0">
-                <a:solidFill>
-                  <a:srgbClr val="333333"/>
-                </a:solidFill>
-                <a:effectLst/>
-                <a:latin typeface="Consolas" panose="020B0609020204030204" pitchFamily="49" charset="0"/>
-              </a:rPr>
-              <a:t>    server </a:t>
-            </a:r>
-            <a:r>
-              <a:rPr lang="en-US" altLang="zh-CN" sz="900" b="0" dirty="0">
-                <a:solidFill>
-                  <a:srgbClr val="448C27"/>
-                </a:solidFill>
-                <a:effectLst/>
-                <a:latin typeface="Consolas" panose="020B0609020204030204" pitchFamily="49" charset="0"/>
-              </a:rPr>
-              <a:t>10.176.40.47:</a:t>
-            </a:r>
-            <a:r>
-              <a:rPr lang="en-US" altLang="zh-CN" sz="900" b="0" dirty="0">
-                <a:solidFill>
-                  <a:srgbClr val="9C5D27"/>
-                </a:solidFill>
-                <a:effectLst/>
-                <a:latin typeface="Consolas" panose="020B0609020204030204" pitchFamily="49" charset="0"/>
-              </a:rPr>
-              <a:t>8001</a:t>
-            </a:r>
-            <a:r>
-              <a:rPr lang="en-US" altLang="zh-CN" sz="900" b="0" dirty="0">
-                <a:solidFill>
-                  <a:srgbClr val="777777"/>
-                </a:solidFill>
-                <a:effectLst/>
-                <a:latin typeface="Consolas" panose="020B0609020204030204" pitchFamily="49" charset="0"/>
-              </a:rPr>
-              <a:t>;</a:t>
-            </a:r>
-            <a:endParaRPr lang="en-US" altLang="zh-CN" sz="900" b="0" dirty="0">
-              <a:solidFill>
-                <a:srgbClr val="333333"/>
-              </a:solidFill>
-              <a:effectLst/>
-              <a:latin typeface="Consolas" panose="020B0609020204030204" pitchFamily="49" charset="0"/>
-            </a:endParaRPr>
-          </a:p>
-          <a:p>
-            <a:r>
-              <a:rPr lang="en-US" altLang="zh-CN" sz="900" b="0" dirty="0">
-                <a:solidFill>
-                  <a:srgbClr val="333333"/>
-                </a:solidFill>
-                <a:effectLst/>
-                <a:latin typeface="Consolas" panose="020B0609020204030204" pitchFamily="49" charset="0"/>
-              </a:rPr>
-              <a:t>    server </a:t>
-            </a:r>
-            <a:r>
-              <a:rPr lang="en-US" altLang="zh-CN" sz="900" b="0" dirty="0">
-                <a:solidFill>
-                  <a:srgbClr val="448C27"/>
-                </a:solidFill>
-                <a:effectLst/>
-                <a:latin typeface="Consolas" panose="020B0609020204030204" pitchFamily="49" charset="0"/>
-              </a:rPr>
-              <a:t>10.176.40.47:</a:t>
-            </a:r>
-            <a:r>
-              <a:rPr lang="en-US" altLang="zh-CN" sz="900" b="0" dirty="0">
-                <a:solidFill>
-                  <a:srgbClr val="9C5D27"/>
-                </a:solidFill>
-                <a:effectLst/>
-                <a:latin typeface="Consolas" panose="020B0609020204030204" pitchFamily="49" charset="0"/>
-              </a:rPr>
-              <a:t>8002</a:t>
-            </a:r>
-            <a:r>
-              <a:rPr lang="en-US" altLang="zh-CN" sz="900" b="0" dirty="0">
-                <a:solidFill>
-                  <a:srgbClr val="777777"/>
-                </a:solidFill>
-                <a:effectLst/>
-                <a:latin typeface="Consolas" panose="020B0609020204030204" pitchFamily="49" charset="0"/>
-              </a:rPr>
-              <a:t>;</a:t>
-            </a:r>
-            <a:endParaRPr lang="en-US" altLang="zh-CN" sz="900" b="0" dirty="0">
-              <a:solidFill>
-                <a:srgbClr val="333333"/>
-              </a:solidFill>
-              <a:effectLst/>
-              <a:latin typeface="Consolas" panose="020B0609020204030204" pitchFamily="49" charset="0"/>
-            </a:endParaRPr>
-          </a:p>
-          <a:p>
-            <a:r>
-              <a:rPr lang="en-US" altLang="zh-CN" sz="900" b="0" dirty="0">
-                <a:solidFill>
-                  <a:srgbClr val="333333"/>
-                </a:solidFill>
-                <a:effectLst/>
-                <a:latin typeface="Consolas" panose="020B0609020204030204" pitchFamily="49" charset="0"/>
-              </a:rPr>
-              <a:t>    server </a:t>
-            </a:r>
-            <a:r>
-              <a:rPr lang="en-US" altLang="zh-CN" sz="900" b="0" dirty="0">
-                <a:solidFill>
-                  <a:srgbClr val="448C27"/>
-                </a:solidFill>
-                <a:effectLst/>
-                <a:latin typeface="Consolas" panose="020B0609020204030204" pitchFamily="49" charset="0"/>
-              </a:rPr>
-              <a:t>10.176.40.47:</a:t>
-            </a:r>
-            <a:r>
-              <a:rPr lang="en-US" altLang="zh-CN" sz="900" b="0" dirty="0">
-                <a:solidFill>
-                  <a:srgbClr val="9C5D27"/>
-                </a:solidFill>
-                <a:effectLst/>
-                <a:latin typeface="Consolas" panose="020B0609020204030204" pitchFamily="49" charset="0"/>
-              </a:rPr>
-              <a:t>8003</a:t>
-            </a:r>
-            <a:r>
-              <a:rPr lang="en-US" altLang="zh-CN" sz="900" b="0" dirty="0">
-                <a:solidFill>
-                  <a:srgbClr val="777777"/>
-                </a:solidFill>
-                <a:effectLst/>
-                <a:latin typeface="Consolas" panose="020B0609020204030204" pitchFamily="49" charset="0"/>
-              </a:rPr>
-              <a:t>;</a:t>
-            </a:r>
-            <a:endParaRPr lang="en-US" altLang="zh-CN" sz="900" b="0" dirty="0">
-              <a:solidFill>
-                <a:srgbClr val="333333"/>
-              </a:solidFill>
-              <a:effectLst/>
-              <a:latin typeface="Consolas" panose="020B0609020204030204" pitchFamily="49" charset="0"/>
-            </a:endParaRPr>
-          </a:p>
-          <a:p>
-            <a:r>
-              <a:rPr lang="en-US" altLang="zh-CN" sz="900" b="0" dirty="0">
-                <a:solidFill>
-                  <a:srgbClr val="333333"/>
-                </a:solidFill>
-                <a:effectLst/>
-                <a:latin typeface="Consolas" panose="020B0609020204030204" pitchFamily="49" charset="0"/>
-              </a:rPr>
-              <a:t>    server </a:t>
-            </a:r>
-            <a:r>
-              <a:rPr lang="en-US" altLang="zh-CN" sz="900" b="0" dirty="0">
-                <a:solidFill>
-                  <a:srgbClr val="448C27"/>
-                </a:solidFill>
-                <a:effectLst/>
-                <a:latin typeface="Consolas" panose="020B0609020204030204" pitchFamily="49" charset="0"/>
-              </a:rPr>
-              <a:t>10.176.40.47:</a:t>
-            </a:r>
-            <a:r>
-              <a:rPr lang="en-US" altLang="zh-CN" sz="900" b="0" dirty="0">
-                <a:solidFill>
-                  <a:srgbClr val="9C5D27"/>
-                </a:solidFill>
-                <a:effectLst/>
-                <a:latin typeface="Consolas" panose="020B0609020204030204" pitchFamily="49" charset="0"/>
-              </a:rPr>
-              <a:t>8004</a:t>
-            </a:r>
-            <a:r>
-              <a:rPr lang="en-US" altLang="zh-CN" sz="900" b="0" dirty="0">
-                <a:solidFill>
-                  <a:srgbClr val="777777"/>
-                </a:solidFill>
-                <a:effectLst/>
-                <a:latin typeface="Consolas" panose="020B0609020204030204" pitchFamily="49" charset="0"/>
-              </a:rPr>
-              <a:t>;</a:t>
-            </a:r>
-            <a:endParaRPr lang="en-US" altLang="zh-CN" sz="900" b="0" dirty="0">
-              <a:solidFill>
-                <a:srgbClr val="333333"/>
-              </a:solidFill>
-              <a:effectLst/>
-              <a:latin typeface="Consolas" panose="020B0609020204030204" pitchFamily="49" charset="0"/>
-            </a:endParaRPr>
-          </a:p>
-          <a:p>
-            <a:r>
-              <a:rPr lang="en-US" altLang="zh-CN" sz="900" b="0" dirty="0">
-                <a:solidFill>
-                  <a:srgbClr val="333333"/>
-                </a:solidFill>
-                <a:effectLst/>
-                <a:latin typeface="Consolas" panose="020B0609020204030204" pitchFamily="49" charset="0"/>
-              </a:rPr>
-              <a:t>    server </a:t>
-            </a:r>
-            <a:r>
-              <a:rPr lang="en-US" altLang="zh-CN" sz="900" b="0" dirty="0">
-                <a:solidFill>
-                  <a:srgbClr val="448C27"/>
-                </a:solidFill>
-                <a:effectLst/>
-                <a:latin typeface="Consolas" panose="020B0609020204030204" pitchFamily="49" charset="0"/>
-              </a:rPr>
-              <a:t>10.176.40.47:</a:t>
-            </a:r>
-            <a:r>
-              <a:rPr lang="en-US" altLang="zh-CN" sz="900" b="0" dirty="0">
-                <a:solidFill>
-                  <a:srgbClr val="9C5D27"/>
-                </a:solidFill>
-                <a:effectLst/>
-                <a:latin typeface="Consolas" panose="020B0609020204030204" pitchFamily="49" charset="0"/>
-              </a:rPr>
-              <a:t>8005</a:t>
-            </a:r>
-            <a:r>
-              <a:rPr lang="en-US" altLang="zh-CN" sz="900" b="0" dirty="0">
-                <a:solidFill>
-                  <a:srgbClr val="777777"/>
-                </a:solidFill>
-                <a:effectLst/>
-                <a:latin typeface="Consolas" panose="020B0609020204030204" pitchFamily="49" charset="0"/>
-              </a:rPr>
-              <a:t>;</a:t>
-            </a:r>
-          </a:p>
-          <a:p>
-            <a:r>
-              <a:rPr lang="en-US" altLang="zh-CN" sz="900" b="0" dirty="0">
-                <a:solidFill>
-                  <a:srgbClr val="333333"/>
-                </a:solidFill>
-                <a:effectLst/>
-                <a:latin typeface="Consolas" panose="020B0609020204030204" pitchFamily="49" charset="0"/>
-              </a:rPr>
-              <a:t>}</a:t>
-            </a:r>
           </a:p>
         </p:txBody>
       </p:sp>
@@ -5832,7 +4963,7 @@
         </p:nvSpPr>
         <p:spPr>
           <a:xfrm>
-            <a:off x="2988642" y="5779363"/>
+            <a:off x="2988642" y="5391740"/>
             <a:ext cx="3253347" cy="334775"/>
           </a:xfrm>
           <a:prstGeom prst="rect">
@@ -5890,7 +5021,7 @@
         </p:nvSpPr>
         <p:spPr>
           <a:xfrm>
-            <a:off x="2988642" y="6204393"/>
+            <a:off x="2988642" y="5945977"/>
             <a:ext cx="3253347" cy="334775"/>
           </a:xfrm>
           <a:prstGeom prst="rect">
@@ -5975,12 +5106,57 @@
           </a:fontRef>
         </p:style>
       </p:cxnSp>
+      <p:sp>
+        <p:nvSpPr>
+          <p:cNvPr id="4" name="矩形 3">
+            <a:extLst>
+              <a:ext uri="{FF2B5EF4-FFF2-40B4-BE49-F238E27FC236}">
+                <a16:creationId xmlns:a16="http://schemas.microsoft.com/office/drawing/2014/main" id="{BD729C55-2B1D-4830-B841-E0D15B7C7EBF}"/>
+              </a:ext>
+            </a:extLst>
+          </p:cNvPr>
+          <p:cNvSpPr/>
+          <p:nvPr/>
+        </p:nvSpPr>
+        <p:spPr>
+          <a:xfrm>
+            <a:off x="2778712" y="212710"/>
+            <a:ext cx="6086992" cy="6317299"/>
+          </a:xfrm>
+          <a:prstGeom prst="rect">
+            <a:avLst/>
+          </a:prstGeom>
+          <a:noFill/>
+        </p:spPr>
+        <p:style>
+          <a:lnRef idx="2">
+            <a:schemeClr val="dk1"/>
+          </a:lnRef>
+          <a:fillRef idx="1">
+            <a:schemeClr val="lt1"/>
+          </a:fillRef>
+          <a:effectRef idx="0">
+            <a:schemeClr val="dk1"/>
+          </a:effectRef>
+          <a:fontRef idx="minor">
+            <a:schemeClr val="dk1"/>
+          </a:fontRef>
+        </p:style>
+        <p:txBody>
+          <a:bodyPr rtlCol="0" anchor="ctr"/>
+          <a:lstStyle/>
+          <a:p>
+            <a:pPr algn="ctr"/>
+            <a:endParaRPr lang="zh-CN" altLang="en-US"/>
+          </a:p>
+        </p:txBody>
+      </p:sp>
       <p:grpSp>
         <p:nvGrpSpPr>
-          <p:cNvPr id="75" name="组合 74">
-            <a:extLst>
-              <a:ext uri="{FF2B5EF4-FFF2-40B4-BE49-F238E27FC236}">
-                <a16:creationId xmlns:a16="http://schemas.microsoft.com/office/drawing/2014/main" id="{92060CF3-BB8D-4A3D-A4AB-E9D1343287DC}"/>
+          <p:cNvPr id="56" name="组合 55">
+            <a:extLst>
+              <a:ext uri="{FF2B5EF4-FFF2-40B4-BE49-F238E27FC236}">
+                <a16:creationId xmlns:a16="http://schemas.microsoft.com/office/drawing/2014/main" id="{293DC74A-6A6A-41D9-8C16-872B7C70B463}"/>
               </a:ext>
             </a:extLst>
           </p:cNvPr>
@@ -5989,18 +5165,18 @@
         </p:nvGrpSpPr>
         <p:grpSpPr>
           <a:xfrm>
-            <a:off x="2778712" y="212710"/>
-            <a:ext cx="6765338" cy="6516564"/>
-            <a:chOff x="2778712" y="212710"/>
-            <a:chExt cx="6765338" cy="6516564"/>
+            <a:off x="7414591" y="212710"/>
+            <a:ext cx="1451113" cy="362666"/>
+            <a:chOff x="7416871" y="211293"/>
+            <a:chExt cx="1612828" cy="362666"/>
           </a:xfrm>
         </p:grpSpPr>
         <p:sp>
           <p:nvSpPr>
-            <p:cNvPr id="4" name="矩形 3">
+            <p:cNvPr id="18" name="矩形: 剪去单角 17">
               <a:extLst>
                 <a:ext uri="{FF2B5EF4-FFF2-40B4-BE49-F238E27FC236}">
-                  <a16:creationId xmlns:a16="http://schemas.microsoft.com/office/drawing/2014/main" id="{BD729C55-2B1D-4830-B841-E0D15B7C7EBF}"/>
+                  <a16:creationId xmlns:a16="http://schemas.microsoft.com/office/drawing/2014/main" id="{7D5B5B5A-DD87-47B6-A40B-499B354AED1C}"/>
                 </a:ext>
               </a:extLst>
             </p:cNvPr>
@@ -6008,14 +5184,15 @@
             <p:nvPr/>
           </p:nvSpPr>
           <p:spPr>
-            <a:xfrm>
-              <a:off x="2778712" y="212710"/>
-              <a:ext cx="6765338" cy="6516564"/>
+            <a:xfrm flipH="1" flipV="1">
+              <a:off x="7450322" y="211293"/>
+              <a:ext cx="1579377" cy="362666"/>
             </a:xfrm>
-            <a:prstGeom prst="rect">
-              <a:avLst/>
+            <a:prstGeom prst="snip1Rect">
+              <a:avLst>
+                <a:gd name="adj" fmla="val 30456"/>
+              </a:avLst>
             </a:prstGeom>
-            <a:noFill/>
           </p:spPr>
           <p:style>
             <a:lnRef idx="2">
@@ -6036,118 +5213,51 @@
             <a:lstStyle/>
             <a:p>
               <a:pPr algn="ctr"/>
-              <a:endParaRPr lang="zh-CN" altLang="en-US"/>
+              <a:endParaRPr lang="zh-CN" altLang="en-US" dirty="0"/>
             </a:p>
           </p:txBody>
         </p:sp>
-        <p:grpSp>
-          <p:nvGrpSpPr>
-            <p:cNvPr id="56" name="组合 55">
+        <p:sp>
+          <p:nvSpPr>
+            <p:cNvPr id="20" name="文本框 19">
               <a:extLst>
                 <a:ext uri="{FF2B5EF4-FFF2-40B4-BE49-F238E27FC236}">
-                  <a16:creationId xmlns:a16="http://schemas.microsoft.com/office/drawing/2014/main" id="{293DC74A-6A6A-41D9-8C16-872B7C70B463}"/>
+                  <a16:creationId xmlns:a16="http://schemas.microsoft.com/office/drawing/2014/main" id="{9064E574-4280-414B-8E99-02ECEA056E1F}"/>
                 </a:ext>
               </a:extLst>
             </p:cNvPr>
-            <p:cNvGrpSpPr/>
+            <p:cNvSpPr txBox="1"/>
             <p:nvPr/>
-          </p:nvGrpSpPr>
-          <p:grpSpPr>
+          </p:nvSpPr>
+          <p:spPr>
             <a:xfrm>
-              <a:off x="8065294" y="212710"/>
-              <a:ext cx="1478756" cy="362666"/>
-              <a:chOff x="7550943" y="211293"/>
-              <a:chExt cx="1478756" cy="362666"/>
+              <a:off x="7416871" y="238737"/>
+              <a:ext cx="1579378" cy="307777"/>
             </a:xfrm>
-          </p:grpSpPr>
-          <p:sp>
-            <p:nvSpPr>
-              <p:cNvPr id="18" name="矩形: 剪去单角 17">
-                <a:extLst>
-                  <a:ext uri="{FF2B5EF4-FFF2-40B4-BE49-F238E27FC236}">
-                    <a16:creationId xmlns:a16="http://schemas.microsoft.com/office/drawing/2014/main" id="{7D5B5B5A-DD87-47B6-A40B-499B354AED1C}"/>
-                  </a:ext>
-                </a:extLst>
-              </p:cNvPr>
-              <p:cNvSpPr/>
-              <p:nvPr/>
-            </p:nvSpPr>
-            <p:spPr>
-              <a:xfrm flipH="1" flipV="1">
-                <a:off x="7550943" y="211293"/>
-                <a:ext cx="1478756" cy="362666"/>
-              </a:xfrm>
-              <a:prstGeom prst="snip1Rect">
-                <a:avLst>
-                  <a:gd name="adj" fmla="val 30456"/>
-                </a:avLst>
-              </a:prstGeom>
-            </p:spPr>
-            <p:style>
-              <a:lnRef idx="2">
-                <a:schemeClr val="dk1"/>
-              </a:lnRef>
-              <a:fillRef idx="1">
-                <a:schemeClr val="lt1"/>
-              </a:fillRef>
-              <a:effectRef idx="0">
-                <a:schemeClr val="dk1"/>
-              </a:effectRef>
-              <a:fontRef idx="minor">
-                <a:schemeClr val="dk1"/>
-              </a:fontRef>
-            </p:style>
-            <p:txBody>
-              <a:bodyPr rtlCol="0" anchor="ctr"/>
-              <a:lstStyle/>
-              <a:p>
-                <a:pPr algn="ctr"/>
-                <a:endParaRPr lang="zh-CN" altLang="en-US" dirty="0"/>
-              </a:p>
-            </p:txBody>
-          </p:sp>
-          <p:sp>
-            <p:nvSpPr>
-              <p:cNvPr id="20" name="文本框 19">
-                <a:extLst>
-                  <a:ext uri="{FF2B5EF4-FFF2-40B4-BE49-F238E27FC236}">
-                    <a16:creationId xmlns:a16="http://schemas.microsoft.com/office/drawing/2014/main" id="{9064E574-4280-414B-8E99-02ECEA056E1F}"/>
-                  </a:ext>
-                </a:extLst>
-              </p:cNvPr>
-              <p:cNvSpPr txBox="1"/>
-              <p:nvPr/>
-            </p:nvSpPr>
-            <p:spPr>
-              <a:xfrm>
-                <a:off x="7584392" y="238737"/>
-                <a:ext cx="1411857" cy="307777"/>
-              </a:xfrm>
-              <a:prstGeom prst="rect">
-                <a:avLst/>
-              </a:prstGeom>
-              <a:noFill/>
-            </p:spPr>
-            <p:txBody>
-              <a:bodyPr wrap="square">
-                <a:spAutoFit/>
-              </a:bodyPr>
-              <a:lstStyle/>
-              <a:p>
-                <a:pPr algn="ctr"/>
-                <a:r>
-                  <a:rPr lang="en-US" altLang="zh-CN" sz="1400" dirty="0">
-                    <a:latin typeface="Consolas" panose="020B0609020204030204" pitchFamily="49" charset="0"/>
-                  </a:rPr>
-                  <a:t>10.176.40.46</a:t>
-                </a:r>
-                <a:endParaRPr lang="zh-CN" altLang="en-US" sz="1400" dirty="0">
+            <a:prstGeom prst="rect">
+              <a:avLst/>
+            </a:prstGeom>
+            <a:noFill/>
+          </p:spPr>
+          <p:txBody>
+            <a:bodyPr wrap="square">
+              <a:spAutoFit/>
+            </a:bodyPr>
+            <a:lstStyle/>
+            <a:p>
+              <a:pPr algn="ctr"/>
+              <a:r>
+                <a:rPr lang="en-US" altLang="zh-CN" sz="1400" dirty="0">
                   <a:latin typeface="Consolas" panose="020B0609020204030204" pitchFamily="49" charset="0"/>
-                </a:endParaRPr>
-              </a:p>
-            </p:txBody>
-          </p:sp>
-        </p:grpSp>
+                </a:rPr>
+                <a:t>10.176.40.46</a:t>
+              </a:r>
+              <a:endParaRPr lang="zh-CN" altLang="en-US" sz="1400" dirty="0">
+                <a:latin typeface="Consolas" panose="020B0609020204030204" pitchFamily="49" charset="0"/>
+              </a:endParaRPr>
+            </a:p>
+          </p:txBody>
+        </p:sp>
       </p:grpSp>
       <p:sp>
         <p:nvSpPr>
@@ -6205,7 +5315,7 @@
         </p:nvCxnSpPr>
         <p:spPr>
           <a:xfrm>
-            <a:off x="689461" y="5946362"/>
+            <a:off x="689461" y="5558739"/>
             <a:ext cx="2299181" cy="0"/>
           </a:xfrm>
           <a:prstGeom prst="straightConnector1">
@@ -6244,7 +5354,7 @@
         </p:nvSpPr>
         <p:spPr>
           <a:xfrm>
-            <a:off x="608308" y="5614413"/>
+            <a:off x="608308" y="5226790"/>
             <a:ext cx="2236776" cy="307777"/>
           </a:xfrm>
           <a:prstGeom prst="rect">
@@ -6286,7 +5396,7 @@
         </p:nvCxnSpPr>
         <p:spPr>
           <a:xfrm>
-            <a:off x="689461" y="6382453"/>
+            <a:off x="689461" y="6124037"/>
             <a:ext cx="2299181" cy="0"/>
           </a:xfrm>
           <a:prstGeom prst="straightConnector1">
@@ -6325,7 +5435,7 @@
         </p:nvSpPr>
         <p:spPr>
           <a:xfrm>
-            <a:off x="608308" y="6050504"/>
+            <a:off x="608308" y="5792088"/>
             <a:ext cx="2236776" cy="307777"/>
           </a:xfrm>
           <a:prstGeom prst="rect">
@@ -6367,7 +5477,7 @@
         </p:nvCxnSpPr>
         <p:spPr>
           <a:xfrm flipV="1">
-            <a:off x="1000125" y="1250149"/>
+            <a:off x="1000125" y="1180576"/>
             <a:ext cx="2061619" cy="3253"/>
           </a:xfrm>
           <a:prstGeom prst="straightConnector1">
@@ -6409,7 +5519,7 @@
         </p:nvSpPr>
         <p:spPr>
           <a:xfrm>
-            <a:off x="914372" y="1253402"/>
+            <a:off x="914372" y="1183829"/>
             <a:ext cx="1930712" cy="253916"/>
           </a:xfrm>
           <a:prstGeom prst="rect">
@@ -6457,13 +5567,12 @@
           </p:cNvPr>
           <p:cNvCxnSpPr>
             <a:cxnSpLocks/>
-            <a:endCxn id="6" idx="1"/>
           </p:cNvCxnSpPr>
           <p:nvPr/>
         </p:nvCxnSpPr>
         <p:spPr>
           <a:xfrm>
-            <a:off x="6241989" y="1409773"/>
+            <a:off x="6241989" y="1330261"/>
             <a:ext cx="287116" cy="0"/>
           </a:xfrm>
           <a:prstGeom prst="straightConnector1">
@@ -6507,7 +5616,7 @@
         </p:nvCxnSpPr>
         <p:spPr>
           <a:xfrm flipH="1">
-            <a:off x="6241989" y="1614487"/>
+            <a:off x="6241989" y="1534975"/>
             <a:ext cx="287117" cy="0"/>
           </a:xfrm>
           <a:prstGeom prst="straightConnector1">
@@ -6551,7 +5660,7 @@
         </p:nvCxnSpPr>
         <p:spPr>
           <a:xfrm flipH="1">
-            <a:off x="1000125" y="1800373"/>
+            <a:off x="1000125" y="1621469"/>
             <a:ext cx="1988517" cy="0"/>
           </a:xfrm>
           <a:prstGeom prst="straightConnector1">
@@ -6595,7 +5704,7 @@
         </p:nvCxnSpPr>
         <p:spPr>
           <a:xfrm flipV="1">
-            <a:off x="1000125" y="2889353"/>
+            <a:off x="1000125" y="2126097"/>
             <a:ext cx="2061619" cy="3253"/>
           </a:xfrm>
           <a:prstGeom prst="straightConnector1">
@@ -6639,7 +5748,7 @@
         </p:nvSpPr>
         <p:spPr>
           <a:xfrm>
-            <a:off x="914372" y="2892606"/>
+            <a:off x="914372" y="2129350"/>
             <a:ext cx="1930712" cy="253916"/>
           </a:xfrm>
           <a:prstGeom prst="rect">
@@ -6666,7 +5775,31 @@
                 <a:latin typeface="Consolas" panose="020B0609020204030204" pitchFamily="49" charset="0"/>
                 <a:ea typeface="微软雅黑" panose="020B0503020204020204" pitchFamily="34" charset="-122"/>
               </a:rPr>
-              <a:t>10.176.40.46/cert </a:t>
+              <a:t>10.176.40.46/</a:t>
+            </a:r>
+            <a:r>
+              <a:rPr lang="en-US" altLang="zh-CN" sz="1050" dirty="0" err="1">
+                <a:solidFill>
+                  <a:schemeClr val="accent5">
+                    <a:lumMod val="75000"/>
+                  </a:schemeClr>
+                </a:solidFill>
+                <a:latin typeface="Consolas" panose="020B0609020204030204" pitchFamily="49" charset="0"/>
+                <a:ea typeface="微软雅黑" panose="020B0503020204020204" pitchFamily="34" charset="-122"/>
+              </a:rPr>
+              <a:t>fgs</a:t>
+            </a:r>
+            <a:r>
+              <a:rPr lang="en-US" altLang="zh-CN" sz="1050" dirty="0">
+                <a:solidFill>
+                  <a:schemeClr val="accent5">
+                    <a:lumMod val="75000"/>
+                  </a:schemeClr>
+                </a:solidFill>
+                <a:latin typeface="Consolas" panose="020B0609020204030204" pitchFamily="49" charset="0"/>
+                <a:ea typeface="微软雅黑" panose="020B0503020204020204" pitchFamily="34" charset="-122"/>
+              </a:rPr>
+              <a:t> </a:t>
             </a:r>
             <a:endParaRPr lang="zh-CN" altLang="en-US" sz="1050" dirty="0">
               <a:solidFill>
@@ -6696,7 +5829,7 @@
         </p:nvCxnSpPr>
         <p:spPr>
           <a:xfrm>
-            <a:off x="6241989" y="3048977"/>
+            <a:off x="6241988" y="2178407"/>
             <a:ext cx="287116" cy="0"/>
           </a:xfrm>
           <a:prstGeom prst="straightConnector1">
@@ -6737,13 +5870,12 @@
           </p:cNvPr>
           <p:cNvCxnSpPr>
             <a:cxnSpLocks/>
-            <a:endCxn id="5" idx="3"/>
           </p:cNvCxnSpPr>
           <p:nvPr/>
         </p:nvCxnSpPr>
         <p:spPr>
           <a:xfrm flipH="1">
-            <a:off x="6241989" y="3296553"/>
+            <a:off x="6241988" y="2425983"/>
             <a:ext cx="287118" cy="0"/>
           </a:xfrm>
           <a:prstGeom prst="straightConnector1">
@@ -6789,7 +5921,7 @@
         </p:nvCxnSpPr>
         <p:spPr>
           <a:xfrm flipH="1">
-            <a:off x="1000125" y="3439577"/>
+            <a:off x="1000125" y="2534524"/>
             <a:ext cx="1988517" cy="0"/>
           </a:xfrm>
           <a:prstGeom prst="straightConnector1">
@@ -6835,7 +5967,7 @@
         </p:nvCxnSpPr>
         <p:spPr>
           <a:xfrm flipV="1">
-            <a:off x="1000125" y="3727670"/>
+            <a:off x="1000125" y="3086085"/>
             <a:ext cx="2061619" cy="3253"/>
           </a:xfrm>
           <a:prstGeom prst="straightConnector1">
@@ -6879,7 +6011,7 @@
         </p:nvSpPr>
         <p:spPr>
           <a:xfrm>
-            <a:off x="914372" y="3730923"/>
+            <a:off x="914372" y="3089338"/>
             <a:ext cx="2147372" cy="253916"/>
           </a:xfrm>
           <a:prstGeom prst="rect">
@@ -6960,7 +6092,7 @@
         </p:nvCxnSpPr>
         <p:spPr>
           <a:xfrm flipH="1">
-            <a:off x="1000125" y="4407694"/>
+            <a:off x="1000125" y="3607083"/>
             <a:ext cx="1988517" cy="0"/>
           </a:xfrm>
           <a:prstGeom prst="straightConnector1">
@@ -7006,7 +6138,7 @@
         </p:nvCxnSpPr>
         <p:spPr>
           <a:xfrm>
-            <a:off x="6241989" y="3872519"/>
+            <a:off x="6241989" y="3147353"/>
             <a:ext cx="1030349" cy="3255"/>
           </a:xfrm>
           <a:prstGeom prst="straightConnector1">
@@ -7050,7 +6182,7 @@
         </p:nvSpPr>
         <p:spPr>
           <a:xfrm>
-            <a:off x="6241989" y="3889018"/>
+            <a:off x="6241989" y="3163852"/>
             <a:ext cx="1030348" cy="246221"/>
           </a:xfrm>
           <a:prstGeom prst="rect">
@@ -7131,7 +6263,7 @@
         </p:nvCxnSpPr>
         <p:spPr>
           <a:xfrm flipH="1">
-            <a:off x="6241989" y="4270485"/>
+            <a:off x="6241989" y="3489910"/>
             <a:ext cx="1030348" cy="0"/>
           </a:xfrm>
           <a:prstGeom prst="straightConnector1">
@@ -7161,499 +6293,22 @@
           </a:fontRef>
         </p:style>
       </p:cxnSp>
-      <p:cxnSp>
-        <p:nvCxnSpPr>
-          <p:cNvPr id="65" name="直接箭头连接符 64">
-            <a:extLst>
-              <a:ext uri="{FF2B5EF4-FFF2-40B4-BE49-F238E27FC236}">
-                <a16:creationId xmlns:a16="http://schemas.microsoft.com/office/drawing/2014/main" id="{A1AD3DF9-F785-45D8-BCB5-5754155BEA2C}"/>
-              </a:ext>
-            </a:extLst>
-          </p:cNvPr>
-          <p:cNvCxnSpPr>
-            <a:cxnSpLocks/>
-          </p:cNvCxnSpPr>
-          <p:nvPr/>
-        </p:nvCxnSpPr>
-        <p:spPr>
-          <a:xfrm flipV="1">
-            <a:off x="1000125" y="4672817"/>
-            <a:ext cx="2061619" cy="3253"/>
-          </a:xfrm>
-          <a:prstGeom prst="straightConnector1">
-            <a:avLst/>
-          </a:prstGeom>
-          <a:ln w="12700">
-            <a:solidFill>
-              <a:srgbClr val="7030A0"/>
-            </a:solidFill>
-            <a:tailEnd type="triangle"/>
-          </a:ln>
-        </p:spPr>
-        <p:style>
-          <a:lnRef idx="1">
-            <a:schemeClr val="dk1"/>
-          </a:lnRef>
-          <a:fillRef idx="0">
-            <a:schemeClr val="dk1"/>
-          </a:fillRef>
-          <a:effectRef idx="0">
-            <a:schemeClr val="dk1"/>
-          </a:effectRef>
-          <a:fontRef idx="minor">
-            <a:schemeClr val="tx1"/>
-          </a:fontRef>
-        </p:style>
-      </p:cxnSp>
-      <p:sp>
-        <p:nvSpPr>
-          <p:cNvPr id="66" name="文本框 65">
-            <a:extLst>
-              <a:ext uri="{FF2B5EF4-FFF2-40B4-BE49-F238E27FC236}">
-                <a16:creationId xmlns:a16="http://schemas.microsoft.com/office/drawing/2014/main" id="{94110CA2-941C-41FC-AEE9-BCB13C76AA80}"/>
-              </a:ext>
-            </a:extLst>
-          </p:cNvPr>
-          <p:cNvSpPr txBox="1"/>
+      <p:sp>
+        <p:nvSpPr>
+          <p:cNvPr id="90" name="矩形 89">
+            <a:extLst>
+              <a:ext uri="{FF2B5EF4-FFF2-40B4-BE49-F238E27FC236}">
+                <a16:creationId xmlns:a16="http://schemas.microsoft.com/office/drawing/2014/main" id="{BFBD5ECB-F985-4894-AE57-69C6EBE889FA}"/>
+              </a:ext>
+            </a:extLst>
+          </p:cNvPr>
+          <p:cNvSpPr/>
           <p:nvPr/>
         </p:nvSpPr>
         <p:spPr>
           <a:xfrm>
-            <a:off x="914372" y="4676070"/>
-            <a:ext cx="1930712" cy="253916"/>
-          </a:xfrm>
-          <a:prstGeom prst="rect">
-            <a:avLst/>
-          </a:prstGeom>
-          <a:noFill/>
-          <a:ln>
-            <a:noFill/>
-          </a:ln>
-        </p:spPr>
-        <p:txBody>
-          <a:bodyPr wrap="square" rtlCol="0">
-            <a:spAutoFit/>
-          </a:bodyPr>
-          <a:lstStyle/>
-          <a:p>
-            <a:r>
-              <a:rPr lang="en-US" altLang="zh-CN" sz="1050" dirty="0">
-                <a:solidFill>
-                  <a:srgbClr val="7030A0"/>
-                </a:solidFill>
-                <a:latin typeface="Consolas" panose="020B0609020204030204" pitchFamily="49" charset="0"/>
-                <a:ea typeface="微软雅黑" panose="020B0503020204020204" pitchFamily="34" charset="-122"/>
-              </a:rPr>
-              <a:t>10.176.40.46/</a:t>
-            </a:r>
-            <a:r>
-              <a:rPr lang="en-US" altLang="zh-CN" sz="1050" dirty="0" err="1">
-                <a:solidFill>
-                  <a:srgbClr val="7030A0"/>
-                </a:solidFill>
-                <a:latin typeface="Consolas" panose="020B0609020204030204" pitchFamily="49" charset="0"/>
-                <a:ea typeface="微软雅黑" panose="020B0503020204020204" pitchFamily="34" charset="-122"/>
-              </a:rPr>
-              <a:t>dpki</a:t>
-            </a:r>
-            <a:r>
-              <a:rPr lang="en-US" altLang="zh-CN" sz="1050" dirty="0">
-                <a:solidFill>
-                  <a:srgbClr val="7030A0"/>
-                </a:solidFill>
-                <a:latin typeface="Consolas" panose="020B0609020204030204" pitchFamily="49" charset="0"/>
-                <a:ea typeface="微软雅黑" panose="020B0503020204020204" pitchFamily="34" charset="-122"/>
-              </a:rPr>
-              <a:t>/list</a:t>
-            </a:r>
-            <a:endParaRPr lang="zh-CN" altLang="en-US" sz="1050" dirty="0">
-              <a:solidFill>
-                <a:srgbClr val="7030A0"/>
-              </a:solidFill>
-              <a:latin typeface="Consolas" panose="020B0609020204030204" pitchFamily="49" charset="0"/>
-              <a:ea typeface="微软雅黑" panose="020B0503020204020204" pitchFamily="34" charset="-122"/>
-            </a:endParaRPr>
-          </a:p>
-        </p:txBody>
-      </p:sp>
-      <p:cxnSp>
-        <p:nvCxnSpPr>
-          <p:cNvPr id="67" name="直接箭头连接符 66">
-            <a:extLst>
-              <a:ext uri="{FF2B5EF4-FFF2-40B4-BE49-F238E27FC236}">
-                <a16:creationId xmlns:a16="http://schemas.microsoft.com/office/drawing/2014/main" id="{DFA93E65-37F5-4A33-98A8-B92A7FA92477}"/>
-              </a:ext>
-            </a:extLst>
-          </p:cNvPr>
-          <p:cNvCxnSpPr>
-            <a:cxnSpLocks/>
-          </p:cNvCxnSpPr>
-          <p:nvPr/>
-        </p:nvCxnSpPr>
-        <p:spPr>
-          <a:xfrm flipH="1">
-            <a:off x="1000125" y="5381416"/>
-            <a:ext cx="1988517" cy="0"/>
-          </a:xfrm>
-          <a:prstGeom prst="straightConnector1">
-            <a:avLst/>
-          </a:prstGeom>
-          <a:ln w="12700">
-            <a:solidFill>
-              <a:srgbClr val="7030A0"/>
-            </a:solidFill>
-            <a:tailEnd type="triangle"/>
-          </a:ln>
-        </p:spPr>
-        <p:style>
-          <a:lnRef idx="1">
-            <a:schemeClr val="dk1"/>
-          </a:lnRef>
-          <a:fillRef idx="0">
-            <a:schemeClr val="dk1"/>
-          </a:fillRef>
-          <a:effectRef idx="0">
-            <a:schemeClr val="dk1"/>
-          </a:effectRef>
-          <a:fontRef idx="minor">
-            <a:schemeClr val="tx1"/>
-          </a:fontRef>
-        </p:style>
-      </p:cxnSp>
-      <p:cxnSp>
-        <p:nvCxnSpPr>
-          <p:cNvPr id="68" name="直接箭头连接符 67">
-            <a:extLst>
-              <a:ext uri="{FF2B5EF4-FFF2-40B4-BE49-F238E27FC236}">
-                <a16:creationId xmlns:a16="http://schemas.microsoft.com/office/drawing/2014/main" id="{2C616CE4-1BB9-4853-A376-8895093D8BAC}"/>
-              </a:ext>
-            </a:extLst>
-          </p:cNvPr>
-          <p:cNvCxnSpPr>
-            <a:cxnSpLocks/>
-          </p:cNvCxnSpPr>
-          <p:nvPr/>
-        </p:nvCxnSpPr>
-        <p:spPr>
-          <a:xfrm>
-            <a:off x="6241989" y="4817666"/>
-            <a:ext cx="1030349" cy="3255"/>
-          </a:xfrm>
-          <a:prstGeom prst="straightConnector1">
-            <a:avLst/>
-          </a:prstGeom>
-          <a:ln w="12700">
-            <a:solidFill>
-              <a:srgbClr val="7030A0"/>
-            </a:solidFill>
-            <a:tailEnd type="triangle"/>
-          </a:ln>
-        </p:spPr>
-        <p:style>
-          <a:lnRef idx="1">
-            <a:schemeClr val="dk1"/>
-          </a:lnRef>
-          <a:fillRef idx="0">
-            <a:schemeClr val="dk1"/>
-          </a:fillRef>
-          <a:effectRef idx="0">
-            <a:schemeClr val="dk1"/>
-          </a:effectRef>
-          <a:fontRef idx="minor">
-            <a:schemeClr val="tx1"/>
-          </a:fontRef>
-        </p:style>
-      </p:cxnSp>
-      <p:sp>
-        <p:nvSpPr>
-          <p:cNvPr id="69" name="文本框 68">
-            <a:extLst>
-              <a:ext uri="{FF2B5EF4-FFF2-40B4-BE49-F238E27FC236}">
-                <a16:creationId xmlns:a16="http://schemas.microsoft.com/office/drawing/2014/main" id="{23E3B949-FE7A-46E2-92AE-0B9458F0323E}"/>
-              </a:ext>
-            </a:extLst>
-          </p:cNvPr>
-          <p:cNvSpPr txBox="1"/>
-          <p:nvPr/>
-        </p:nvSpPr>
-        <p:spPr>
-          <a:xfrm>
-            <a:off x="6241988" y="4819557"/>
-            <a:ext cx="1030350" cy="253916"/>
-          </a:xfrm>
-          <a:prstGeom prst="rect">
-            <a:avLst/>
-          </a:prstGeom>
-          <a:noFill/>
-          <a:ln>
-            <a:noFill/>
-          </a:ln>
-        </p:spPr>
-        <p:txBody>
-          <a:bodyPr wrap="square" rtlCol="0">
-            <a:spAutoFit/>
-          </a:bodyPr>
-          <a:lstStyle/>
-          <a:p>
-            <a:r>
-              <a:rPr lang="en-US" altLang="zh-CN" sz="1000" dirty="0">
-                <a:solidFill>
-                  <a:srgbClr val="7030A0"/>
-                </a:solidFill>
-                <a:latin typeface="Consolas" panose="020B0609020204030204" pitchFamily="49" charset="0"/>
-                <a:ea typeface="微软雅黑" panose="020B0503020204020204" pitchFamily="34" charset="-122"/>
-              </a:rPr>
-              <a:t>/list</a:t>
-            </a:r>
-            <a:endParaRPr lang="zh-CN" altLang="en-US" sz="1000" dirty="0">
-              <a:solidFill>
-                <a:srgbClr val="7030A0"/>
-              </a:solidFill>
-              <a:latin typeface="Consolas" panose="020B0609020204030204" pitchFamily="49" charset="0"/>
-              <a:ea typeface="微软雅黑" panose="020B0503020204020204" pitchFamily="34" charset="-122"/>
-            </a:endParaRPr>
-          </a:p>
-        </p:txBody>
-      </p:sp>
-      <p:cxnSp>
-        <p:nvCxnSpPr>
-          <p:cNvPr id="70" name="直接箭头连接符 69">
-            <a:extLst>
-              <a:ext uri="{FF2B5EF4-FFF2-40B4-BE49-F238E27FC236}">
-                <a16:creationId xmlns:a16="http://schemas.microsoft.com/office/drawing/2014/main" id="{6DBF2CF6-1CBE-4D38-BC3F-8453D0EDC14C}"/>
-              </a:ext>
-            </a:extLst>
-          </p:cNvPr>
-          <p:cNvCxnSpPr>
-            <a:cxnSpLocks/>
-          </p:cNvCxnSpPr>
-          <p:nvPr/>
-        </p:nvCxnSpPr>
-        <p:spPr>
-          <a:xfrm flipH="1">
-            <a:off x="6241989" y="5272782"/>
-            <a:ext cx="1030348" cy="0"/>
-          </a:xfrm>
-          <a:prstGeom prst="straightConnector1">
-            <a:avLst/>
-          </a:prstGeom>
-          <a:ln w="12700">
-            <a:solidFill>
-              <a:srgbClr val="7030A0"/>
-            </a:solidFill>
-            <a:tailEnd type="triangle"/>
-          </a:ln>
-        </p:spPr>
-        <p:style>
-          <a:lnRef idx="1">
-            <a:schemeClr val="dk1"/>
-          </a:lnRef>
-          <a:fillRef idx="0">
-            <a:schemeClr val="dk1"/>
-          </a:fillRef>
-          <a:effectRef idx="0">
-            <a:schemeClr val="dk1"/>
-          </a:effectRef>
-          <a:fontRef idx="minor">
-            <a:schemeClr val="tx1"/>
-          </a:fontRef>
-        </p:style>
-      </p:cxnSp>
-      <p:sp>
-        <p:nvSpPr>
-          <p:cNvPr id="77" name="矩形 76">
-            <a:extLst>
-              <a:ext uri="{FF2B5EF4-FFF2-40B4-BE49-F238E27FC236}">
-                <a16:creationId xmlns:a16="http://schemas.microsoft.com/office/drawing/2014/main" id="{14CCC7BD-98D7-45FD-BD68-F8CB3ED9E118}"/>
-              </a:ext>
-            </a:extLst>
-          </p:cNvPr>
-          <p:cNvSpPr/>
-          <p:nvPr/>
-        </p:nvSpPr>
-        <p:spPr>
-          <a:xfrm>
-            <a:off x="10129837" y="4569102"/>
-            <a:ext cx="1894005" cy="2160171"/>
-          </a:xfrm>
-          <a:prstGeom prst="rect">
-            <a:avLst/>
-          </a:prstGeom>
-          <a:noFill/>
-        </p:spPr>
-        <p:style>
-          <a:lnRef idx="2">
-            <a:schemeClr val="dk1"/>
-          </a:lnRef>
-          <a:fillRef idx="1">
-            <a:schemeClr val="lt1"/>
-          </a:fillRef>
-          <a:effectRef idx="0">
-            <a:schemeClr val="dk1"/>
-          </a:effectRef>
-          <a:fontRef idx="minor">
-            <a:schemeClr val="dk1"/>
-          </a:fontRef>
-        </p:style>
-        <p:txBody>
-          <a:bodyPr rtlCol="0" anchor="ctr"/>
-          <a:lstStyle/>
-          <a:p>
-            <a:pPr algn="ctr"/>
-            <a:endParaRPr lang="zh-CN" altLang="en-US"/>
-          </a:p>
-        </p:txBody>
-      </p:sp>
-      <p:sp>
-        <p:nvSpPr>
-          <p:cNvPr id="81" name="矩形: 剪去单角 80">
-            <a:extLst>
-              <a:ext uri="{FF2B5EF4-FFF2-40B4-BE49-F238E27FC236}">
-                <a16:creationId xmlns:a16="http://schemas.microsoft.com/office/drawing/2014/main" id="{B19E6E3E-552D-46CA-9E7D-53093AB1FE01}"/>
-              </a:ext>
-            </a:extLst>
-          </p:cNvPr>
-          <p:cNvSpPr/>
-          <p:nvPr/>
-        </p:nvSpPr>
-        <p:spPr>
-          <a:xfrm flipH="1" flipV="1">
-            <a:off x="10616708" y="4569102"/>
-            <a:ext cx="1407134" cy="362666"/>
-          </a:xfrm>
-          <a:prstGeom prst="snip1Rect">
-            <a:avLst>
-              <a:gd name="adj" fmla="val 30456"/>
-            </a:avLst>
-          </a:prstGeom>
-        </p:spPr>
-        <p:style>
-          <a:lnRef idx="2">
-            <a:schemeClr val="dk1"/>
-          </a:lnRef>
-          <a:fillRef idx="1">
-            <a:schemeClr val="lt1"/>
-          </a:fillRef>
-          <a:effectRef idx="0">
-            <a:schemeClr val="dk1"/>
-          </a:effectRef>
-          <a:fontRef idx="minor">
-            <a:schemeClr val="dk1"/>
-          </a:fontRef>
-        </p:style>
-        <p:txBody>
-          <a:bodyPr rtlCol="0" anchor="ctr"/>
-          <a:lstStyle/>
-          <a:p>
-            <a:pPr algn="ctr"/>
-            <a:endParaRPr lang="zh-CN" altLang="en-US" dirty="0"/>
-          </a:p>
-        </p:txBody>
-      </p:sp>
-      <p:cxnSp>
-        <p:nvCxnSpPr>
-          <p:cNvPr id="83" name="直接箭头连接符 82">
-            <a:extLst>
-              <a:ext uri="{FF2B5EF4-FFF2-40B4-BE49-F238E27FC236}">
-                <a16:creationId xmlns:a16="http://schemas.microsoft.com/office/drawing/2014/main" id="{8B3882E5-175D-4417-95D0-57BFB67C2598}"/>
-              </a:ext>
-            </a:extLst>
-          </p:cNvPr>
-          <p:cNvCxnSpPr>
-            <a:cxnSpLocks/>
-          </p:cNvCxnSpPr>
-          <p:nvPr/>
-        </p:nvCxnSpPr>
-        <p:spPr>
-          <a:xfrm>
-            <a:off x="9544050" y="4820921"/>
-            <a:ext cx="585787" cy="0"/>
-          </a:xfrm>
-          <a:prstGeom prst="straightConnector1">
-            <a:avLst/>
-          </a:prstGeom>
-          <a:ln w="12700">
-            <a:solidFill>
-              <a:srgbClr val="7030A0"/>
-            </a:solidFill>
-            <a:tailEnd type="triangle"/>
-          </a:ln>
-        </p:spPr>
-        <p:style>
-          <a:lnRef idx="1">
-            <a:schemeClr val="dk1"/>
-          </a:lnRef>
-          <a:fillRef idx="0">
-            <a:schemeClr val="dk1"/>
-          </a:fillRef>
-          <a:effectRef idx="0">
-            <a:schemeClr val="dk1"/>
-          </a:effectRef>
-          <a:fontRef idx="minor">
-            <a:schemeClr val="tx1"/>
-          </a:fontRef>
-        </p:style>
-      </p:cxnSp>
-      <p:cxnSp>
-        <p:nvCxnSpPr>
-          <p:cNvPr id="86" name="直接箭头连接符 85">
-            <a:extLst>
-              <a:ext uri="{FF2B5EF4-FFF2-40B4-BE49-F238E27FC236}">
-                <a16:creationId xmlns:a16="http://schemas.microsoft.com/office/drawing/2014/main" id="{E5849787-C45B-43BD-9A36-CDA33DC89E2C}"/>
-              </a:ext>
-            </a:extLst>
-          </p:cNvPr>
-          <p:cNvCxnSpPr>
-            <a:cxnSpLocks/>
-          </p:cNvCxnSpPr>
-          <p:nvPr/>
-        </p:nvCxnSpPr>
-        <p:spPr>
-          <a:xfrm flipH="1">
-            <a:off x="9544050" y="5272782"/>
-            <a:ext cx="585787" cy="0"/>
-          </a:xfrm>
-          <a:prstGeom prst="straightConnector1">
-            <a:avLst/>
-          </a:prstGeom>
-          <a:ln w="12700">
-            <a:solidFill>
-              <a:srgbClr val="7030A0"/>
-            </a:solidFill>
-            <a:tailEnd type="triangle"/>
-          </a:ln>
-        </p:spPr>
-        <p:style>
-          <a:lnRef idx="1">
-            <a:schemeClr val="dk1"/>
-          </a:lnRef>
-          <a:fillRef idx="0">
-            <a:schemeClr val="dk1"/>
-          </a:fillRef>
-          <a:effectRef idx="0">
-            <a:schemeClr val="dk1"/>
-          </a:effectRef>
-          <a:fontRef idx="minor">
-            <a:schemeClr val="tx1"/>
-          </a:fontRef>
-        </p:style>
-      </p:cxnSp>
-      <p:sp>
-        <p:nvSpPr>
-          <p:cNvPr id="90" name="矩形 89">
-            <a:extLst>
-              <a:ext uri="{FF2B5EF4-FFF2-40B4-BE49-F238E27FC236}">
-                <a16:creationId xmlns:a16="http://schemas.microsoft.com/office/drawing/2014/main" id="{BFBD5ECB-F985-4894-AE57-69C6EBE889FA}"/>
-              </a:ext>
-            </a:extLst>
-          </p:cNvPr>
-          <p:cNvSpPr/>
-          <p:nvPr/>
-        </p:nvSpPr>
-        <p:spPr>
-          <a:xfrm>
-            <a:off x="10129837" y="212710"/>
-            <a:ext cx="1894004" cy="4194977"/>
+            <a:off x="9454665" y="212711"/>
+            <a:ext cx="1894004" cy="3439614"/>
           </a:xfrm>
           <a:prstGeom prst="rect">
             <a:avLst/>
@@ -7935,15 +6590,80 @@
               </a:rPr>
               <a:t>式</a:t>
             </a:r>
-          </a:p>
-        </p:txBody>
-      </p:sp>
-      <p:sp>
-        <p:nvSpPr>
-          <p:cNvPr id="99" name="文本框 98">
-            <a:extLst>
-              <a:ext uri="{FF2B5EF4-FFF2-40B4-BE49-F238E27FC236}">
-                <a16:creationId xmlns:a16="http://schemas.microsoft.com/office/drawing/2014/main" id="{4B01BDB1-847B-46E2-B0FD-2E39E75859F5}"/>
+            <a:endParaRPr lang="en-US" altLang="zh-CN" sz="2000" dirty="0">
+              <a:latin typeface="Consolas" panose="020B0609020204030204" pitchFamily="49" charset="0"/>
+            </a:endParaRPr>
+          </a:p>
+          <a:p>
+            <a:pPr algn="ctr"/>
+            <a:endParaRPr lang="en-US" altLang="zh-CN" sz="2000" dirty="0">
+              <a:latin typeface="Consolas" panose="020B0609020204030204" pitchFamily="49" charset="0"/>
+            </a:endParaRPr>
+          </a:p>
+          <a:p>
+            <a:pPr algn="ctr"/>
+            <a:r>
+              <a:rPr lang="zh-CN" altLang="en-US" sz="2000" dirty="0">
+                <a:latin typeface="Consolas" panose="020B0609020204030204" pitchFamily="49" charset="0"/>
+              </a:rPr>
+              <a:t>课题三</a:t>
+            </a:r>
+            <a:endParaRPr lang="en-US" altLang="zh-CN" sz="2000" dirty="0">
+              <a:latin typeface="Consolas" panose="020B0609020204030204" pitchFamily="49" charset="0"/>
+            </a:endParaRPr>
+          </a:p>
+        </p:txBody>
+      </p:sp>
+      <p:cxnSp>
+        <p:nvCxnSpPr>
+          <p:cNvPr id="53" name="直接箭头连接符 52">
+            <a:extLst>
+              <a:ext uri="{FF2B5EF4-FFF2-40B4-BE49-F238E27FC236}">
+                <a16:creationId xmlns:a16="http://schemas.microsoft.com/office/drawing/2014/main" id="{3EEFD06C-AE60-454B-B016-E6BACE31AC5A}"/>
+              </a:ext>
+            </a:extLst>
+          </p:cNvPr>
+          <p:cNvCxnSpPr>
+            <a:cxnSpLocks/>
+          </p:cNvCxnSpPr>
+          <p:nvPr/>
+        </p:nvCxnSpPr>
+        <p:spPr>
+          <a:xfrm flipV="1">
+            <a:off x="1000125" y="4341219"/>
+            <a:ext cx="2061619" cy="3253"/>
+          </a:xfrm>
+          <a:prstGeom prst="straightConnector1">
+            <a:avLst/>
+          </a:prstGeom>
+          <a:ln w="12700">
+            <a:solidFill>
+              <a:srgbClr val="C20EB9"/>
+            </a:solidFill>
+            <a:tailEnd type="triangle"/>
+          </a:ln>
+        </p:spPr>
+        <p:style>
+          <a:lnRef idx="1">
+            <a:schemeClr val="dk1"/>
+          </a:lnRef>
+          <a:fillRef idx="0">
+            <a:schemeClr val="dk1"/>
+          </a:fillRef>
+          <a:effectRef idx="0">
+            <a:schemeClr val="dk1"/>
+          </a:effectRef>
+          <a:fontRef idx="minor">
+            <a:schemeClr val="tx1"/>
+          </a:fontRef>
+        </p:style>
+      </p:cxnSp>
+      <p:sp>
+        <p:nvSpPr>
+          <p:cNvPr id="55" name="文本框 54">
+            <a:extLst>
+              <a:ext uri="{FF2B5EF4-FFF2-40B4-BE49-F238E27FC236}">
+                <a16:creationId xmlns:a16="http://schemas.microsoft.com/office/drawing/2014/main" id="{8D2D4B76-28F4-4D87-9AAD-1081C374F9FA}"/>
               </a:ext>
             </a:extLst>
           </p:cNvPr>
@@ -7952,37 +6672,258 @@
         </p:nvSpPr>
         <p:spPr>
           <a:xfrm>
-            <a:off x="10616708" y="4596546"/>
-            <a:ext cx="1411857" cy="307777"/>
+            <a:off x="914372" y="4344472"/>
+            <a:ext cx="1930712" cy="253916"/>
           </a:xfrm>
           <a:prstGeom prst="rect">
             <a:avLst/>
           </a:prstGeom>
           <a:noFill/>
+          <a:ln>
+            <a:noFill/>
+          </a:ln>
         </p:spPr>
         <p:txBody>
-          <a:bodyPr wrap="square">
+          <a:bodyPr wrap="square" rtlCol="0">
             <a:spAutoFit/>
           </a:bodyPr>
           <a:lstStyle/>
           <a:p>
+            <a:r>
+              <a:rPr lang="en-US" altLang="zh-CN" sz="1050" dirty="0">
+                <a:solidFill>
+                  <a:srgbClr val="C20EB9"/>
+                </a:solidFill>
+                <a:latin typeface="Consolas" panose="020B0609020204030204" pitchFamily="49" charset="0"/>
+                <a:ea typeface="微软雅黑" panose="020B0503020204020204" pitchFamily="34" charset="-122"/>
+              </a:rPr>
+              <a:t>10.176.40.46/cert</a:t>
+            </a:r>
+            <a:endParaRPr lang="zh-CN" altLang="en-US" sz="1050" dirty="0">
+              <a:solidFill>
+                <a:srgbClr val="C20EB9"/>
+              </a:solidFill>
+              <a:latin typeface="Consolas" panose="020B0609020204030204" pitchFamily="49" charset="0"/>
+              <a:ea typeface="微软雅黑" panose="020B0503020204020204" pitchFamily="34" charset="-122"/>
+            </a:endParaRPr>
+          </a:p>
+        </p:txBody>
+      </p:sp>
+      <p:cxnSp>
+        <p:nvCxnSpPr>
+          <p:cNvPr id="57" name="直接箭头连接符 56">
+            <a:extLst>
+              <a:ext uri="{FF2B5EF4-FFF2-40B4-BE49-F238E27FC236}">
+                <a16:creationId xmlns:a16="http://schemas.microsoft.com/office/drawing/2014/main" id="{54F48D70-7AAF-46CC-8867-4DC049FF8B8C}"/>
+              </a:ext>
+            </a:extLst>
+          </p:cNvPr>
+          <p:cNvCxnSpPr>
+            <a:cxnSpLocks/>
+          </p:cNvCxnSpPr>
+          <p:nvPr/>
+        </p:nvCxnSpPr>
+        <p:spPr>
+          <a:xfrm flipH="1">
+            <a:off x="1000125" y="4701948"/>
+            <a:ext cx="1988517" cy="0"/>
+          </a:xfrm>
+          <a:prstGeom prst="straightConnector1">
+            <a:avLst/>
+          </a:prstGeom>
+          <a:ln w="12700">
+            <a:solidFill>
+              <a:srgbClr val="C20EB9"/>
+            </a:solidFill>
+            <a:tailEnd type="triangle"/>
+          </a:ln>
+        </p:spPr>
+        <p:style>
+          <a:lnRef idx="1">
+            <a:schemeClr val="dk1"/>
+          </a:lnRef>
+          <a:fillRef idx="0">
+            <a:schemeClr val="dk1"/>
+          </a:fillRef>
+          <a:effectRef idx="0">
+            <a:schemeClr val="dk1"/>
+          </a:effectRef>
+          <a:fontRef idx="minor">
+            <a:schemeClr val="tx1"/>
+          </a:fontRef>
+        </p:style>
+      </p:cxnSp>
+      <p:sp>
+        <p:nvSpPr>
+          <p:cNvPr id="61" name="矩形 60">
+            <a:extLst>
+              <a:ext uri="{FF2B5EF4-FFF2-40B4-BE49-F238E27FC236}">
+                <a16:creationId xmlns:a16="http://schemas.microsoft.com/office/drawing/2014/main" id="{D044289B-64CE-427F-879D-8338219A77F9}"/>
+              </a:ext>
+            </a:extLst>
+          </p:cNvPr>
+          <p:cNvSpPr/>
+          <p:nvPr/>
+        </p:nvSpPr>
+        <p:spPr>
+          <a:xfrm>
+            <a:off x="7272336" y="5080195"/>
+            <a:ext cx="1346019" cy="646319"/>
+          </a:xfrm>
+          <a:prstGeom prst="rect">
+            <a:avLst/>
+          </a:prstGeom>
+          <a:ln>
+            <a:prstDash val="lgDashDot"/>
+          </a:ln>
+        </p:spPr>
+        <p:style>
+          <a:lnRef idx="2">
+            <a:schemeClr val="dk1"/>
+          </a:lnRef>
+          <a:fillRef idx="1">
+            <a:schemeClr val="lt1"/>
+          </a:fillRef>
+          <a:effectRef idx="0">
+            <a:schemeClr val="dk1"/>
+          </a:effectRef>
+          <a:fontRef idx="minor">
+            <a:schemeClr val="dk1"/>
+          </a:fontRef>
+        </p:style>
+        <p:txBody>
+          <a:bodyPr rtlCol="0" anchor="ctr"/>
+          <a:lstStyle/>
+          <a:p>
             <a:pPr algn="ctr"/>
             <a:r>
-              <a:rPr lang="en-US" altLang="zh-CN" sz="1400" dirty="0">
-                <a:latin typeface="Consolas" panose="020B0609020204030204" pitchFamily="49" charset="0"/>
-              </a:rPr>
-              <a:t>10.176.40.47</a:t>
-            </a:r>
-            <a:endParaRPr lang="zh-CN" altLang="en-US" sz="1400" dirty="0">
+              <a:rPr lang="en-US" altLang="zh-CN" sz="1000" dirty="0" err="1">
+                <a:solidFill>
+                  <a:srgbClr val="448C27"/>
+                </a:solidFill>
+                <a:latin typeface="Consolas" panose="020B0609020204030204" pitchFamily="49" charset="0"/>
+              </a:rPr>
+              <a:t>SpringBoot</a:t>
+            </a:r>
+            <a:endParaRPr lang="en-US" altLang="zh-CN" sz="1000" dirty="0">
+              <a:solidFill>
+                <a:srgbClr val="448C27"/>
+              </a:solidFill>
               <a:latin typeface="Consolas" panose="020B0609020204030204" pitchFamily="49" charset="0"/>
             </a:endParaRPr>
           </a:p>
-        </p:txBody>
-      </p:sp>
+          <a:p>
+            <a:pPr algn="ctr"/>
+            <a:r>
+              <a:rPr lang="en-US" altLang="zh-CN" sz="1000" dirty="0">
+                <a:solidFill>
+                  <a:srgbClr val="448C27"/>
+                </a:solidFill>
+                <a:latin typeface="Consolas" panose="020B0609020204030204" pitchFamily="49" charset="0"/>
+              </a:rPr>
+              <a:t>Server</a:t>
+            </a:r>
+          </a:p>
+        </p:txBody>
+      </p:sp>
+      <p:cxnSp>
+        <p:nvCxnSpPr>
+          <p:cNvPr id="22" name="直接箭头连接符 21">
+            <a:extLst>
+              <a:ext uri="{FF2B5EF4-FFF2-40B4-BE49-F238E27FC236}">
+                <a16:creationId xmlns:a16="http://schemas.microsoft.com/office/drawing/2014/main" id="{0F728AF7-8AC2-4376-A345-99E10C5BAA06}"/>
+              </a:ext>
+            </a:extLst>
+          </p:cNvPr>
+          <p:cNvCxnSpPr>
+            <a:stCxn id="9" idx="2"/>
+            <a:endCxn id="61" idx="0"/>
+          </p:cNvCxnSpPr>
+          <p:nvPr/>
+        </p:nvCxnSpPr>
+        <p:spPr>
+          <a:xfrm>
+            <a:off x="7945347" y="3652325"/>
+            <a:ext cx="0" cy="1427870"/>
+          </a:xfrm>
+          <a:prstGeom prst="straightConnector1">
+            <a:avLst/>
+          </a:prstGeom>
+          <a:ln w="9525" cap="flat" cmpd="sng" algn="ctr">
+            <a:solidFill>
+              <a:schemeClr val="dk1"/>
+            </a:solidFill>
+            <a:prstDash val="dash"/>
+            <a:round/>
+            <a:headEnd type="triangle" w="med" len="med"/>
+            <a:tailEnd type="triangle" w="med" len="med"/>
+          </a:ln>
+        </p:spPr>
+        <p:style>
+          <a:lnRef idx="0">
+            <a:scrgbClr r="0" g="0" b="0"/>
+          </a:lnRef>
+          <a:fillRef idx="0">
+            <a:scrgbClr r="0" g="0" b="0"/>
+          </a:fillRef>
+          <a:effectRef idx="0">
+            <a:scrgbClr r="0" g="0" b="0"/>
+          </a:effectRef>
+          <a:fontRef idx="minor">
+            <a:schemeClr val="tx1"/>
+          </a:fontRef>
+        </p:style>
+      </p:cxnSp>
+      <p:cxnSp>
+        <p:nvCxnSpPr>
+          <p:cNvPr id="26" name="直接箭头连接符 25">
+            <a:extLst>
+              <a:ext uri="{FF2B5EF4-FFF2-40B4-BE49-F238E27FC236}">
+                <a16:creationId xmlns:a16="http://schemas.microsoft.com/office/drawing/2014/main" id="{53F9959F-6CB0-4CA1-8FA4-7FD1AA3D8864}"/>
+              </a:ext>
+            </a:extLst>
+          </p:cNvPr>
+          <p:cNvCxnSpPr>
+            <a:stCxn id="13" idx="3"/>
+          </p:cNvCxnSpPr>
+          <p:nvPr/>
+        </p:nvCxnSpPr>
+        <p:spPr>
+          <a:xfrm flipV="1">
+            <a:off x="6241989" y="5558739"/>
+            <a:ext cx="1030347" cy="389"/>
+          </a:xfrm>
+          <a:prstGeom prst="straightConnector1">
+            <a:avLst/>
+          </a:prstGeom>
+          <a:ln>
+            <a:solidFill>
+              <a:schemeClr val="tx1"/>
+            </a:solidFill>
+            <a:prstDash val="dash"/>
+            <a:headEnd type="triangle"/>
+            <a:tailEnd type="triangle"/>
+          </a:ln>
+        </p:spPr>
+        <p:style>
+          <a:lnRef idx="1">
+            <a:schemeClr val="accent1"/>
+          </a:lnRef>
+          <a:fillRef idx="0">
+            <a:schemeClr val="accent1"/>
+          </a:fillRef>
+          <a:effectRef idx="0">
+            <a:schemeClr val="accent1"/>
+          </a:effectRef>
+          <a:fontRef idx="minor">
+            <a:schemeClr val="tx1"/>
+          </a:fontRef>
+        </p:style>
+      </p:cxnSp>
     </p:spTree>
     <p:extLst>
       <p:ext uri="{BB962C8B-B14F-4D97-AF65-F5344CB8AC3E}">
-        <p14:creationId xmlns:p14="http://schemas.microsoft.com/office/powerpoint/2010/main" val="1036710981"/>
+        <p14:creationId xmlns:p14="http://schemas.microsoft.com/office/powerpoint/2010/main" val="1643607644"/>
       </p:ext>
     </p:extLst>
   </p:cSld>
